--- a/docs/diagrams/StorageComponentClassDiagram.pptx
+++ b/docs/diagrams/StorageComponentClassDiagram.pptx
@@ -107,6 +107,22 @@
       </a:defRPr>
     </a:lvl9pPr>
   </p:defaultTextStyle>
+  <p:extLst>
+    <p:ext uri="{EFAFB233-063F-42B5-8137-9DF3F51BA10A}">
+      <p15:sldGuideLst xmlns:p15="http://schemas.microsoft.com/office/powerpoint/2012/main">
+        <p15:guide id="1" orient="horz" pos="1488">
+          <p15:clr>
+            <a:srgbClr val="A4A3A4"/>
+          </p15:clr>
+        </p15:guide>
+        <p15:guide id="2" pos="2880">
+          <p15:clr>
+            <a:srgbClr val="A4A3A4"/>
+          </p15:clr>
+        </p15:guide>
+      </p15:sldGuideLst>
+    </p:ext>
+  </p:extLst>
 </p:presentation>
 </file>
 
@@ -192,7 +208,7 @@
           <a:p>
             <a:fld id="{F5CC4B3F-88C1-4FFA-B1B6-F41C21DC6924}" type="datetimeFigureOut">
               <a:rPr lang="en-US" smtClean="0"/>
-              <a:t>10/16/2016</a:t>
+              <a:t>10/29/2018</a:t>
             </a:fld>
             <a:endParaRPr lang="en-US"/>
           </a:p>
@@ -256,38 +272,37 @@
           <a:p>
             <a:pPr lvl="0"/>
             <a:r>
-              <a:rPr lang="en-US" smtClean="0"/>
+              <a:rPr lang="en-US"/>
               <a:t>Click to edit Master text styles</a:t>
             </a:r>
           </a:p>
           <a:p>
             <a:pPr lvl="1"/>
             <a:r>
-              <a:rPr lang="en-US" smtClean="0"/>
+              <a:rPr lang="en-US"/>
               <a:t>Second level</a:t>
             </a:r>
           </a:p>
           <a:p>
             <a:pPr lvl="2"/>
             <a:r>
-              <a:rPr lang="en-US" smtClean="0"/>
+              <a:rPr lang="en-US"/>
               <a:t>Third level</a:t>
             </a:r>
           </a:p>
           <a:p>
             <a:pPr lvl="3"/>
             <a:r>
-              <a:rPr lang="en-US" smtClean="0"/>
+              <a:rPr lang="en-US"/>
               <a:t>Fourth level</a:t>
             </a:r>
           </a:p>
           <a:p>
             <a:pPr lvl="4"/>
             <a:r>
-              <a:rPr lang="en-US" smtClean="0"/>
+              <a:rPr lang="en-US"/>
               <a:t>Fifth level</a:t>
             </a:r>
-            <a:endParaRPr lang="en-US"/>
           </a:p>
         </p:txBody>
       </p:sp>
@@ -498,10 +513,9 @@
           <a:lstStyle/>
           <a:p>
             <a:r>
-              <a:rPr lang="en-US" smtClean="0"/>
+              <a:rPr lang="en-US"/>
               <a:t>Click to edit Master title style</a:t>
             </a:r>
-            <a:endParaRPr lang="en-US"/>
           </a:p>
         </p:txBody>
       </p:sp>
@@ -617,10 +631,9 @@
           </a:lstStyle>
           <a:p>
             <a:r>
-              <a:rPr lang="en-US" smtClean="0"/>
+              <a:rPr lang="en-US"/>
               <a:t>Click to edit Master subtitle style</a:t>
             </a:r>
-            <a:endParaRPr lang="en-US"/>
           </a:p>
         </p:txBody>
       </p:sp>
@@ -641,7 +654,7 @@
           <a:p>
             <a:fld id="{78C97017-6FC3-485B-9764-EAC9E56C1D49}" type="datetimeFigureOut">
               <a:rPr lang="en-US" smtClean="0"/>
-              <a:t>10/16/2016</a:t>
+              <a:t>10/29/2018</a:t>
             </a:fld>
             <a:endParaRPr lang="en-US"/>
           </a:p>
@@ -735,10 +748,9 @@
           <a:lstStyle/>
           <a:p>
             <a:r>
-              <a:rPr lang="en-US" smtClean="0"/>
+              <a:rPr lang="en-US"/>
               <a:t>Click to edit Master title style</a:t>
             </a:r>
-            <a:endParaRPr lang="en-US"/>
           </a:p>
         </p:txBody>
       </p:sp>
@@ -759,38 +771,37 @@
           <a:p>
             <a:pPr lvl="0"/>
             <a:r>
-              <a:rPr lang="en-US" smtClean="0"/>
+              <a:rPr lang="en-US"/>
               <a:t>Click to edit Master text styles</a:t>
             </a:r>
           </a:p>
           <a:p>
             <a:pPr lvl="1"/>
             <a:r>
-              <a:rPr lang="en-US" smtClean="0"/>
+              <a:rPr lang="en-US"/>
               <a:t>Second level</a:t>
             </a:r>
           </a:p>
           <a:p>
             <a:pPr lvl="2"/>
             <a:r>
-              <a:rPr lang="en-US" smtClean="0"/>
+              <a:rPr lang="en-US"/>
               <a:t>Third level</a:t>
             </a:r>
           </a:p>
           <a:p>
             <a:pPr lvl="3"/>
             <a:r>
-              <a:rPr lang="en-US" smtClean="0"/>
+              <a:rPr lang="en-US"/>
               <a:t>Fourth level</a:t>
             </a:r>
           </a:p>
           <a:p>
             <a:pPr lvl="4"/>
             <a:r>
-              <a:rPr lang="en-US" smtClean="0"/>
+              <a:rPr lang="en-US"/>
               <a:t>Fifth level</a:t>
             </a:r>
-            <a:endParaRPr lang="en-US"/>
           </a:p>
         </p:txBody>
       </p:sp>
@@ -811,7 +822,7 @@
           <a:p>
             <a:fld id="{78C97017-6FC3-485B-9764-EAC9E56C1D49}" type="datetimeFigureOut">
               <a:rPr lang="en-US" smtClean="0"/>
-              <a:t>10/16/2016</a:t>
+              <a:t>10/29/2018</a:t>
             </a:fld>
             <a:endParaRPr lang="en-US"/>
           </a:p>
@@ -910,10 +921,9 @@
           <a:lstStyle/>
           <a:p>
             <a:r>
-              <a:rPr lang="en-US" smtClean="0"/>
+              <a:rPr lang="en-US"/>
               <a:t>Click to edit Master title style</a:t>
             </a:r>
-            <a:endParaRPr lang="en-US"/>
           </a:p>
         </p:txBody>
       </p:sp>
@@ -939,38 +949,37 @@
           <a:p>
             <a:pPr lvl="0"/>
             <a:r>
-              <a:rPr lang="en-US" smtClean="0"/>
+              <a:rPr lang="en-US"/>
               <a:t>Click to edit Master text styles</a:t>
             </a:r>
           </a:p>
           <a:p>
             <a:pPr lvl="1"/>
             <a:r>
-              <a:rPr lang="en-US" smtClean="0"/>
+              <a:rPr lang="en-US"/>
               <a:t>Second level</a:t>
             </a:r>
           </a:p>
           <a:p>
             <a:pPr lvl="2"/>
             <a:r>
-              <a:rPr lang="en-US" smtClean="0"/>
+              <a:rPr lang="en-US"/>
               <a:t>Third level</a:t>
             </a:r>
           </a:p>
           <a:p>
             <a:pPr lvl="3"/>
             <a:r>
-              <a:rPr lang="en-US" smtClean="0"/>
+              <a:rPr lang="en-US"/>
               <a:t>Fourth level</a:t>
             </a:r>
           </a:p>
           <a:p>
             <a:pPr lvl="4"/>
             <a:r>
-              <a:rPr lang="en-US" smtClean="0"/>
+              <a:rPr lang="en-US"/>
               <a:t>Fifth level</a:t>
             </a:r>
-            <a:endParaRPr lang="en-US"/>
           </a:p>
         </p:txBody>
       </p:sp>
@@ -991,7 +1000,7 @@
           <a:p>
             <a:fld id="{78C97017-6FC3-485B-9764-EAC9E56C1D49}" type="datetimeFigureOut">
               <a:rPr lang="en-US" smtClean="0"/>
-              <a:t>10/16/2016</a:t>
+              <a:t>10/29/2018</a:t>
             </a:fld>
             <a:endParaRPr lang="en-US"/>
           </a:p>
@@ -1085,10 +1094,9 @@
           <a:lstStyle/>
           <a:p>
             <a:r>
-              <a:rPr lang="en-US" smtClean="0"/>
+              <a:rPr lang="en-US"/>
               <a:t>Click to edit Master title style</a:t>
             </a:r>
-            <a:endParaRPr lang="en-US"/>
           </a:p>
         </p:txBody>
       </p:sp>
@@ -1109,38 +1117,37 @@
           <a:p>
             <a:pPr lvl="0"/>
             <a:r>
-              <a:rPr lang="en-US" smtClean="0"/>
+              <a:rPr lang="en-US"/>
               <a:t>Click to edit Master text styles</a:t>
             </a:r>
           </a:p>
           <a:p>
             <a:pPr lvl="1"/>
             <a:r>
-              <a:rPr lang="en-US" smtClean="0"/>
+              <a:rPr lang="en-US"/>
               <a:t>Second level</a:t>
             </a:r>
           </a:p>
           <a:p>
             <a:pPr lvl="2"/>
             <a:r>
-              <a:rPr lang="en-US" smtClean="0"/>
+              <a:rPr lang="en-US"/>
               <a:t>Third level</a:t>
             </a:r>
           </a:p>
           <a:p>
             <a:pPr lvl="3"/>
             <a:r>
-              <a:rPr lang="en-US" smtClean="0"/>
+              <a:rPr lang="en-US"/>
               <a:t>Fourth level</a:t>
             </a:r>
           </a:p>
           <a:p>
             <a:pPr lvl="4"/>
             <a:r>
-              <a:rPr lang="en-US" smtClean="0"/>
+              <a:rPr lang="en-US"/>
               <a:t>Fifth level</a:t>
             </a:r>
-            <a:endParaRPr lang="en-US"/>
           </a:p>
         </p:txBody>
       </p:sp>
@@ -1161,7 +1168,7 @@
           <a:p>
             <a:fld id="{78C97017-6FC3-485B-9764-EAC9E56C1D49}" type="datetimeFigureOut">
               <a:rPr lang="en-US" smtClean="0"/>
-              <a:t>10/16/2016</a:t>
+              <a:t>10/29/2018</a:t>
             </a:fld>
             <a:endParaRPr lang="en-US"/>
           </a:p>
@@ -1264,10 +1271,9 @@
           </a:lstStyle>
           <a:p>
             <a:r>
-              <a:rPr lang="en-US" smtClean="0"/>
+              <a:rPr lang="en-US"/>
               <a:t>Click to edit Master title style</a:t>
             </a:r>
-            <a:endParaRPr lang="en-US"/>
           </a:p>
         </p:txBody>
       </p:sp>
@@ -1384,7 +1390,7 @@
           <a:p>
             <a:pPr lvl="0"/>
             <a:r>
-              <a:rPr lang="en-US" smtClean="0"/>
+              <a:rPr lang="en-US"/>
               <a:t>Click to edit Master text styles</a:t>
             </a:r>
           </a:p>
@@ -1407,7 +1413,7 @@
           <a:p>
             <a:fld id="{78C97017-6FC3-485B-9764-EAC9E56C1D49}" type="datetimeFigureOut">
               <a:rPr lang="en-US" smtClean="0"/>
-              <a:t>10/16/2016</a:t>
+              <a:t>10/29/2018</a:t>
             </a:fld>
             <a:endParaRPr lang="en-US"/>
           </a:p>
@@ -1501,10 +1507,9 @@
           <a:lstStyle/>
           <a:p>
             <a:r>
-              <a:rPr lang="en-US" smtClean="0"/>
+              <a:rPr lang="en-US"/>
               <a:t>Click to edit Master title style</a:t>
             </a:r>
-            <a:endParaRPr lang="en-US"/>
           </a:p>
         </p:txBody>
       </p:sp>
@@ -1558,38 +1563,37 @@
           <a:p>
             <a:pPr lvl="0"/>
             <a:r>
-              <a:rPr lang="en-US" smtClean="0"/>
+              <a:rPr lang="en-US"/>
               <a:t>Click to edit Master text styles</a:t>
             </a:r>
           </a:p>
           <a:p>
             <a:pPr lvl="1"/>
             <a:r>
-              <a:rPr lang="en-US" smtClean="0"/>
+              <a:rPr lang="en-US"/>
               <a:t>Second level</a:t>
             </a:r>
           </a:p>
           <a:p>
             <a:pPr lvl="2"/>
             <a:r>
-              <a:rPr lang="en-US" smtClean="0"/>
+              <a:rPr lang="en-US"/>
               <a:t>Third level</a:t>
             </a:r>
           </a:p>
           <a:p>
             <a:pPr lvl="3"/>
             <a:r>
-              <a:rPr lang="en-US" smtClean="0"/>
+              <a:rPr lang="en-US"/>
               <a:t>Fourth level</a:t>
             </a:r>
           </a:p>
           <a:p>
             <a:pPr lvl="4"/>
             <a:r>
-              <a:rPr lang="en-US" smtClean="0"/>
+              <a:rPr lang="en-US"/>
               <a:t>Fifth level</a:t>
             </a:r>
-            <a:endParaRPr lang="en-US"/>
           </a:p>
         </p:txBody>
       </p:sp>
@@ -1643,38 +1647,37 @@
           <a:p>
             <a:pPr lvl="0"/>
             <a:r>
-              <a:rPr lang="en-US" smtClean="0"/>
+              <a:rPr lang="en-US"/>
               <a:t>Click to edit Master text styles</a:t>
             </a:r>
           </a:p>
           <a:p>
             <a:pPr lvl="1"/>
             <a:r>
-              <a:rPr lang="en-US" smtClean="0"/>
+              <a:rPr lang="en-US"/>
               <a:t>Second level</a:t>
             </a:r>
           </a:p>
           <a:p>
             <a:pPr lvl="2"/>
             <a:r>
-              <a:rPr lang="en-US" smtClean="0"/>
+              <a:rPr lang="en-US"/>
               <a:t>Third level</a:t>
             </a:r>
           </a:p>
           <a:p>
             <a:pPr lvl="3"/>
             <a:r>
-              <a:rPr lang="en-US" smtClean="0"/>
+              <a:rPr lang="en-US"/>
               <a:t>Fourth level</a:t>
             </a:r>
           </a:p>
           <a:p>
             <a:pPr lvl="4"/>
             <a:r>
-              <a:rPr lang="en-US" smtClean="0"/>
+              <a:rPr lang="en-US"/>
               <a:t>Fifth level</a:t>
             </a:r>
-            <a:endParaRPr lang="en-US"/>
           </a:p>
         </p:txBody>
       </p:sp>
@@ -1695,7 +1698,7 @@
           <a:p>
             <a:fld id="{78C97017-6FC3-485B-9764-EAC9E56C1D49}" type="datetimeFigureOut">
               <a:rPr lang="en-US" smtClean="0"/>
-              <a:t>10/16/2016</a:t>
+              <a:t>10/29/2018</a:t>
             </a:fld>
             <a:endParaRPr lang="en-US"/>
           </a:p>
@@ -1793,10 +1796,9 @@
           </a:lstStyle>
           <a:p>
             <a:r>
-              <a:rPr lang="en-US" smtClean="0"/>
+              <a:rPr lang="en-US"/>
               <a:t>Click to edit Master title style</a:t>
             </a:r>
-            <a:endParaRPr lang="en-US"/>
           </a:p>
         </p:txBody>
       </p:sp>
@@ -1859,7 +1861,7 @@
           <a:p>
             <a:pPr lvl="0"/>
             <a:r>
-              <a:rPr lang="en-US" smtClean="0"/>
+              <a:rPr lang="en-US"/>
               <a:t>Click to edit Master text styles</a:t>
             </a:r>
           </a:p>
@@ -1915,38 +1917,37 @@
           <a:p>
             <a:pPr lvl="0"/>
             <a:r>
-              <a:rPr lang="en-US" smtClean="0"/>
+              <a:rPr lang="en-US"/>
               <a:t>Click to edit Master text styles</a:t>
             </a:r>
           </a:p>
           <a:p>
             <a:pPr lvl="1"/>
             <a:r>
-              <a:rPr lang="en-US" smtClean="0"/>
+              <a:rPr lang="en-US"/>
               <a:t>Second level</a:t>
             </a:r>
           </a:p>
           <a:p>
             <a:pPr lvl="2"/>
             <a:r>
-              <a:rPr lang="en-US" smtClean="0"/>
+              <a:rPr lang="en-US"/>
               <a:t>Third level</a:t>
             </a:r>
           </a:p>
           <a:p>
             <a:pPr lvl="3"/>
             <a:r>
-              <a:rPr lang="en-US" smtClean="0"/>
+              <a:rPr lang="en-US"/>
               <a:t>Fourth level</a:t>
             </a:r>
           </a:p>
           <a:p>
             <a:pPr lvl="4"/>
             <a:r>
-              <a:rPr lang="en-US" smtClean="0"/>
+              <a:rPr lang="en-US"/>
               <a:t>Fifth level</a:t>
             </a:r>
-            <a:endParaRPr lang="en-US"/>
           </a:p>
         </p:txBody>
       </p:sp>
@@ -2009,7 +2010,7 @@
           <a:p>
             <a:pPr lvl="0"/>
             <a:r>
-              <a:rPr lang="en-US" smtClean="0"/>
+              <a:rPr lang="en-US"/>
               <a:t>Click to edit Master text styles</a:t>
             </a:r>
           </a:p>
@@ -2065,38 +2066,37 @@
           <a:p>
             <a:pPr lvl="0"/>
             <a:r>
-              <a:rPr lang="en-US" smtClean="0"/>
+              <a:rPr lang="en-US"/>
               <a:t>Click to edit Master text styles</a:t>
             </a:r>
           </a:p>
           <a:p>
             <a:pPr lvl="1"/>
             <a:r>
-              <a:rPr lang="en-US" smtClean="0"/>
+              <a:rPr lang="en-US"/>
               <a:t>Second level</a:t>
             </a:r>
           </a:p>
           <a:p>
             <a:pPr lvl="2"/>
             <a:r>
-              <a:rPr lang="en-US" smtClean="0"/>
+              <a:rPr lang="en-US"/>
               <a:t>Third level</a:t>
             </a:r>
           </a:p>
           <a:p>
             <a:pPr lvl="3"/>
             <a:r>
-              <a:rPr lang="en-US" smtClean="0"/>
+              <a:rPr lang="en-US"/>
               <a:t>Fourth level</a:t>
             </a:r>
           </a:p>
           <a:p>
             <a:pPr lvl="4"/>
             <a:r>
-              <a:rPr lang="en-US" smtClean="0"/>
+              <a:rPr lang="en-US"/>
               <a:t>Fifth level</a:t>
             </a:r>
-            <a:endParaRPr lang="en-US"/>
           </a:p>
         </p:txBody>
       </p:sp>
@@ -2117,7 +2117,7 @@
           <a:p>
             <a:fld id="{78C97017-6FC3-485B-9764-EAC9E56C1D49}" type="datetimeFigureOut">
               <a:rPr lang="en-US" smtClean="0"/>
-              <a:t>10/16/2016</a:t>
+              <a:t>10/29/2018</a:t>
             </a:fld>
             <a:endParaRPr lang="en-US"/>
           </a:p>
@@ -2211,10 +2211,9 @@
           <a:lstStyle/>
           <a:p>
             <a:r>
-              <a:rPr lang="en-US" smtClean="0"/>
+              <a:rPr lang="en-US"/>
               <a:t>Click to edit Master title style</a:t>
             </a:r>
-            <a:endParaRPr lang="en-US"/>
           </a:p>
         </p:txBody>
       </p:sp>
@@ -2235,7 +2234,7 @@
           <a:p>
             <a:fld id="{78C97017-6FC3-485B-9764-EAC9E56C1D49}" type="datetimeFigureOut">
               <a:rPr lang="en-US" smtClean="0"/>
-              <a:t>10/16/2016</a:t>
+              <a:t>10/29/2018</a:t>
             </a:fld>
             <a:endParaRPr lang="en-US"/>
           </a:p>
@@ -2330,7 +2329,7 @@
           <a:p>
             <a:fld id="{78C97017-6FC3-485B-9764-EAC9E56C1D49}" type="datetimeFigureOut">
               <a:rPr lang="en-US" smtClean="0"/>
-              <a:t>10/16/2016</a:t>
+              <a:t>10/29/2018</a:t>
             </a:fld>
             <a:endParaRPr lang="en-US"/>
           </a:p>
@@ -2433,10 +2432,9 @@
           </a:lstStyle>
           <a:p>
             <a:r>
-              <a:rPr lang="en-US" smtClean="0"/>
+              <a:rPr lang="en-US"/>
               <a:t>Click to edit Master title style</a:t>
             </a:r>
-            <a:endParaRPr lang="en-US"/>
           </a:p>
         </p:txBody>
       </p:sp>
@@ -2490,38 +2488,37 @@
           <a:p>
             <a:pPr lvl="0"/>
             <a:r>
-              <a:rPr lang="en-US" smtClean="0"/>
+              <a:rPr lang="en-US"/>
               <a:t>Click to edit Master text styles</a:t>
             </a:r>
           </a:p>
           <a:p>
             <a:pPr lvl="1"/>
             <a:r>
-              <a:rPr lang="en-US" smtClean="0"/>
+              <a:rPr lang="en-US"/>
               <a:t>Second level</a:t>
             </a:r>
           </a:p>
           <a:p>
             <a:pPr lvl="2"/>
             <a:r>
-              <a:rPr lang="en-US" smtClean="0"/>
+              <a:rPr lang="en-US"/>
               <a:t>Third level</a:t>
             </a:r>
           </a:p>
           <a:p>
             <a:pPr lvl="3"/>
             <a:r>
-              <a:rPr lang="en-US" smtClean="0"/>
+              <a:rPr lang="en-US"/>
               <a:t>Fourth level</a:t>
             </a:r>
           </a:p>
           <a:p>
             <a:pPr lvl="4"/>
             <a:r>
-              <a:rPr lang="en-US" smtClean="0"/>
+              <a:rPr lang="en-US"/>
               <a:t>Fifth level</a:t>
             </a:r>
-            <a:endParaRPr lang="en-US"/>
           </a:p>
         </p:txBody>
       </p:sp>
@@ -2584,7 +2581,7 @@
           <a:p>
             <a:pPr lvl="0"/>
             <a:r>
-              <a:rPr lang="en-US" smtClean="0"/>
+              <a:rPr lang="en-US"/>
               <a:t>Click to edit Master text styles</a:t>
             </a:r>
           </a:p>
@@ -2607,7 +2604,7 @@
           <a:p>
             <a:fld id="{78C97017-6FC3-485B-9764-EAC9E56C1D49}" type="datetimeFigureOut">
               <a:rPr lang="en-US" smtClean="0"/>
-              <a:t>10/16/2016</a:t>
+              <a:t>10/29/2018</a:t>
             </a:fld>
             <a:endParaRPr lang="en-US"/>
           </a:p>
@@ -2710,10 +2707,9 @@
           </a:lstStyle>
           <a:p>
             <a:r>
-              <a:rPr lang="en-US" smtClean="0"/>
+              <a:rPr lang="en-US"/>
               <a:t>Click to edit Master title style</a:t>
             </a:r>
-            <a:endParaRPr lang="en-US"/>
           </a:p>
         </p:txBody>
       </p:sp>
@@ -2837,7 +2833,7 @@
           <a:p>
             <a:pPr lvl="0"/>
             <a:r>
-              <a:rPr lang="en-US" smtClean="0"/>
+              <a:rPr lang="en-US"/>
               <a:t>Click to edit Master text styles</a:t>
             </a:r>
           </a:p>
@@ -2860,7 +2856,7 @@
           <a:p>
             <a:fld id="{78C97017-6FC3-485B-9764-EAC9E56C1D49}" type="datetimeFigureOut">
               <a:rPr lang="en-US" smtClean="0"/>
-              <a:t>10/16/2016</a:t>
+              <a:t>10/29/2018</a:t>
             </a:fld>
             <a:endParaRPr lang="en-US"/>
           </a:p>
@@ -2969,10 +2965,9 @@
           <a:lstStyle/>
           <a:p>
             <a:r>
-              <a:rPr lang="en-US" smtClean="0"/>
+              <a:rPr lang="en-US"/>
               <a:t>Click to edit Master title style</a:t>
             </a:r>
-            <a:endParaRPr lang="en-US"/>
           </a:p>
         </p:txBody>
       </p:sp>
@@ -3003,38 +2998,37 @@
           <a:p>
             <a:pPr lvl="0"/>
             <a:r>
-              <a:rPr lang="en-US" smtClean="0"/>
+              <a:rPr lang="en-US"/>
               <a:t>Click to edit Master text styles</a:t>
             </a:r>
           </a:p>
           <a:p>
             <a:pPr lvl="1"/>
             <a:r>
-              <a:rPr lang="en-US" smtClean="0"/>
+              <a:rPr lang="en-US"/>
               <a:t>Second level</a:t>
             </a:r>
           </a:p>
           <a:p>
             <a:pPr lvl="2"/>
             <a:r>
-              <a:rPr lang="en-US" smtClean="0"/>
+              <a:rPr lang="en-US"/>
               <a:t>Third level</a:t>
             </a:r>
           </a:p>
           <a:p>
             <a:pPr lvl="3"/>
             <a:r>
-              <a:rPr lang="en-US" smtClean="0"/>
+              <a:rPr lang="en-US"/>
               <a:t>Fourth level</a:t>
             </a:r>
           </a:p>
           <a:p>
             <a:pPr lvl="4"/>
             <a:r>
-              <a:rPr lang="en-US" smtClean="0"/>
+              <a:rPr lang="en-US"/>
               <a:t>Fifth level</a:t>
             </a:r>
-            <a:endParaRPr lang="en-US"/>
           </a:p>
         </p:txBody>
       </p:sp>
@@ -3073,7 +3067,7 @@
           <a:p>
             <a:fld id="{78C97017-6FC3-485B-9764-EAC9E56C1D49}" type="datetimeFigureOut">
               <a:rPr lang="en-US" smtClean="0"/>
-              <a:t>10/16/2016</a:t>
+              <a:t>10/29/2018</a:t>
             </a:fld>
             <a:endParaRPr lang="en-US"/>
           </a:p>
@@ -3456,8 +3450,8 @@
         </p:nvSpPr>
         <p:spPr>
           <a:xfrm>
-            <a:off x="1119865" y="2086382"/>
-            <a:ext cx="7871735" cy="1723618"/>
+            <a:off x="317500" y="1715190"/>
+            <a:ext cx="8502874" cy="4537298"/>
           </a:xfrm>
           <a:prstGeom prst="roundRect">
             <a:avLst>
@@ -3494,7 +3488,7 @@
           <a:lstStyle/>
           <a:p>
             <a:r>
-              <a:rPr lang="en-US" sz="1200" b="1" dirty="0" smtClean="0">
+              <a:rPr lang="en-US" sz="1200" b="1" dirty="0">
                 <a:solidFill>
                   <a:schemeClr val="accent6">
                     <a:lumMod val="75000"/>
@@ -3521,8 +3515,8 @@
         </p:nvSpPr>
         <p:spPr>
           <a:xfrm>
-            <a:off x="2877180" y="3158440"/>
-            <a:ext cx="1323049" cy="346760"/>
+            <a:off x="2290715" y="4374143"/>
+            <a:ext cx="1323049" cy="435425"/>
           </a:xfrm>
           <a:prstGeom prst="rect">
             <a:avLst/>
@@ -3561,7 +3555,7 @@
           <a:p>
             <a:pPr algn="ctr"/>
             <a:r>
-              <a:rPr lang="en-US" sz="1050" dirty="0" smtClean="0">
+              <a:rPr lang="en-US" sz="1050" dirty="0">
                 <a:solidFill>
                   <a:schemeClr val="bg1"/>
                 </a:solidFill>
@@ -3569,19 +3563,34 @@
               <a:t>&lt;&lt;interface&gt;&gt;</a:t>
             </a:r>
             <a:br>
-              <a:rPr lang="en-US" sz="1050" dirty="0" smtClean="0">
+              <a:rPr lang="en-US" sz="1050" dirty="0">
                 <a:solidFill>
                   <a:schemeClr val="bg1"/>
                 </a:solidFill>
               </a:rPr>
             </a:br>
             <a:r>
-              <a:rPr lang="en-US" sz="1050" dirty="0" err="1" smtClean="0">
+              <a:rPr lang="en-US" sz="1050" dirty="0" err="1">
                 <a:solidFill>
                   <a:schemeClr val="bg1"/>
                 </a:solidFill>
               </a:rPr>
-              <a:t>AddressBookStorage</a:t>
+              <a:t>CredentialStore</a:t>
+            </a:r>
+            <a:br>
+              <a:rPr lang="en-US" sz="1050" dirty="0">
+                <a:solidFill>
+                  <a:schemeClr val="bg1"/>
+                </a:solidFill>
+              </a:rPr>
+            </a:br>
+            <a:r>
+              <a:rPr lang="en-US" sz="1050" dirty="0">
+                <a:solidFill>
+                  <a:schemeClr val="bg1"/>
+                </a:solidFill>
+              </a:rPr>
+              <a:t>Storage</a:t>
             </a:r>
             <a:endParaRPr lang="en-SG" sz="1050" dirty="0">
               <a:solidFill>
@@ -3599,8 +3608,8 @@
         </p:nvSpPr>
         <p:spPr>
           <a:xfrm rot="16200000">
-            <a:off x="1683963" y="2868687"/>
-            <a:ext cx="1093635" cy="346760"/>
+            <a:off x="-13202" y="3957006"/>
+            <a:ext cx="3315035" cy="346760"/>
           </a:xfrm>
           <a:prstGeom prst="rect">
             <a:avLst/>
@@ -3639,7 +3648,7 @@
           <a:p>
             <a:pPr algn="ctr"/>
             <a:r>
-              <a:rPr lang="en-US" sz="1050" dirty="0" err="1" smtClean="0">
+              <a:rPr lang="en-US" sz="1050" dirty="0" err="1">
                 <a:solidFill>
                   <a:schemeClr val="bg1"/>
                 </a:solidFill>
@@ -3662,8 +3671,8 @@
         </p:nvSpPr>
         <p:spPr>
           <a:xfrm rot="16200000">
-            <a:off x="956202" y="2861202"/>
-            <a:ext cx="1093635" cy="346760"/>
+            <a:off x="-744706" y="3953265"/>
+            <a:ext cx="3322522" cy="346760"/>
           </a:xfrm>
           <a:prstGeom prst="rect">
             <a:avLst/>
@@ -3713,7 +3722,7 @@
           <a:p>
             <a:pPr algn="ctr"/>
             <a:r>
-              <a:rPr lang="en-US" sz="1050" dirty="0" smtClean="0">
+              <a:rPr lang="en-US" sz="1050" dirty="0">
                 <a:solidFill>
                   <a:schemeClr val="bg1"/>
                 </a:solidFill>
@@ -3736,7 +3745,296 @@
         </p:nvSpPr>
         <p:spPr>
           <a:xfrm rot="16200000">
-            <a:off x="1626910" y="2952291"/>
+            <a:off x="1044054" y="4299781"/>
+            <a:ext cx="270504" cy="175523"/>
+          </a:xfrm>
+          <a:prstGeom prst="triangle">
+            <a:avLst>
+              <a:gd name="adj" fmla="val 50880"/>
+            </a:avLst>
+          </a:prstGeom>
+          <a:solidFill>
+            <a:schemeClr val="accent6">
+              <a:lumMod val="75000"/>
+            </a:schemeClr>
+          </a:solidFill>
+          <a:ln w="19050">
+            <a:solidFill>
+              <a:schemeClr val="accent6">
+                <a:lumMod val="75000"/>
+              </a:schemeClr>
+            </a:solidFill>
+          </a:ln>
+          <a:effectLst/>
+        </p:spPr>
+        <p:style>
+          <a:lnRef idx="1">
+            <a:schemeClr val="accent2"/>
+          </a:lnRef>
+          <a:fillRef idx="2">
+            <a:schemeClr val="accent2"/>
+          </a:fillRef>
+          <a:effectRef idx="1">
+            <a:schemeClr val="accent2"/>
+          </a:effectRef>
+          <a:fontRef idx="minor">
+            <a:schemeClr val="dk1"/>
+          </a:fontRef>
+        </p:style>
+        <p:txBody>
+          <a:bodyPr rtlCol="0" anchor="ctr"/>
+          <a:lstStyle/>
+          <a:p>
+            <a:pPr algn="ctr"/>
+            <a:endParaRPr lang="en-SG" sz="1050">
+              <a:solidFill>
+                <a:schemeClr val="bg1"/>
+              </a:solidFill>
+            </a:endParaRPr>
+          </a:p>
+        </p:txBody>
+      </p:sp>
+      <p:cxnSp>
+        <p:nvCxnSpPr>
+          <p:cNvPr id="58" name="Straight Arrow Connector 57"/>
+          <p:cNvCxnSpPr>
+            <a:cxnSpLocks/>
+            <a:stCxn id="42" idx="3"/>
+            <a:endCxn id="2" idx="1"/>
+          </p:cNvCxnSpPr>
+          <p:nvPr/>
+        </p:nvCxnSpPr>
+        <p:spPr>
+          <a:xfrm>
+            <a:off x="2053744" y="4591325"/>
+            <a:ext cx="236971" cy="531"/>
+          </a:xfrm>
+          <a:prstGeom prst="straightConnector1">
+            <a:avLst/>
+          </a:prstGeom>
+          <a:ln w="19050">
+            <a:solidFill>
+              <a:schemeClr val="accent6">
+                <a:lumMod val="75000"/>
+              </a:schemeClr>
+            </a:solidFill>
+            <a:headEnd type="none" w="med" len="med"/>
+            <a:tailEnd type="arrow" w="med" len="med"/>
+          </a:ln>
+          <a:effectLst/>
+        </p:spPr>
+        <p:style>
+          <a:lnRef idx="1">
+            <a:schemeClr val="accent2"/>
+          </a:lnRef>
+          <a:fillRef idx="2">
+            <a:schemeClr val="accent2"/>
+          </a:fillRef>
+          <a:effectRef idx="1">
+            <a:schemeClr val="accent2"/>
+          </a:effectRef>
+          <a:fontRef idx="minor">
+            <a:schemeClr val="dk1"/>
+          </a:fontRef>
+        </p:style>
+      </p:cxnSp>
+      <p:cxnSp>
+        <p:nvCxnSpPr>
+          <p:cNvPr id="75" name="Elbow Connector 122"/>
+          <p:cNvCxnSpPr>
+            <a:cxnSpLocks/>
+          </p:cNvCxnSpPr>
+          <p:nvPr/>
+        </p:nvCxnSpPr>
+        <p:spPr>
+          <a:xfrm>
+            <a:off x="140597" y="2743200"/>
+            <a:ext cx="614260" cy="3146"/>
+          </a:xfrm>
+          <a:prstGeom prst="bentConnector3">
+            <a:avLst>
+              <a:gd name="adj1" fmla="val 50000"/>
+            </a:avLst>
+          </a:prstGeom>
+          <a:ln w="19050">
+            <a:solidFill>
+              <a:schemeClr val="bg1">
+                <a:lumMod val="75000"/>
+              </a:schemeClr>
+            </a:solidFill>
+            <a:prstDash val="sysDot"/>
+            <a:headEnd type="none" w="med" len="med"/>
+            <a:tailEnd type="arrow" w="med" len="med"/>
+          </a:ln>
+          <a:effectLst/>
+        </p:spPr>
+        <p:style>
+          <a:lnRef idx="1">
+            <a:schemeClr val="accent2"/>
+          </a:lnRef>
+          <a:fillRef idx="2">
+            <a:schemeClr val="accent2"/>
+          </a:fillRef>
+          <a:effectRef idx="1">
+            <a:schemeClr val="accent2"/>
+          </a:effectRef>
+          <a:fontRef idx="minor">
+            <a:schemeClr val="dk1"/>
+          </a:fontRef>
+        </p:style>
+      </p:cxnSp>
+      <p:cxnSp>
+        <p:nvCxnSpPr>
+          <p:cNvPr id="21" name="Straight Connector 20"/>
+          <p:cNvCxnSpPr>
+            <a:cxnSpLocks/>
+            <a:stCxn id="120" idx="3"/>
+            <a:endCxn id="9" idx="0"/>
+          </p:cNvCxnSpPr>
+          <p:nvPr/>
+        </p:nvCxnSpPr>
+        <p:spPr>
+          <a:xfrm flipV="1">
+            <a:off x="1267068" y="4130386"/>
+            <a:ext cx="203868" cy="254777"/>
+          </a:xfrm>
+          <a:prstGeom prst="line">
+            <a:avLst/>
+          </a:prstGeom>
+          <a:ln w="19050">
+            <a:solidFill>
+              <a:schemeClr val="accent6">
+                <a:lumMod val="75000"/>
+              </a:schemeClr>
+            </a:solidFill>
+            <a:prstDash val="sysDot"/>
+            <a:headEnd type="none" w="med" len="med"/>
+            <a:tailEnd type="none" w="med" len="med"/>
+          </a:ln>
+          <a:effectLst/>
+        </p:spPr>
+        <p:style>
+          <a:lnRef idx="1">
+            <a:schemeClr val="accent2"/>
+          </a:lnRef>
+          <a:fillRef idx="2">
+            <a:schemeClr val="accent2"/>
+          </a:fillRef>
+          <a:effectRef idx="1">
+            <a:schemeClr val="accent2"/>
+          </a:effectRef>
+          <a:fontRef idx="minor">
+            <a:schemeClr val="dk1"/>
+          </a:fontRef>
+        </p:style>
+      </p:cxnSp>
+      <p:sp>
+        <p:nvSpPr>
+          <p:cNvPr id="42" name="Flowchart: Decision 96"/>
+          <p:cNvSpPr/>
+          <p:nvPr/>
+        </p:nvSpPr>
+        <p:spPr>
+          <a:xfrm>
+            <a:off x="1817696" y="4504635"/>
+            <a:ext cx="236048" cy="173380"/>
+          </a:xfrm>
+          <a:prstGeom prst="flowChartDecision">
+            <a:avLst/>
+          </a:prstGeom>
+          <a:noFill/>
+          <a:ln w="19050">
+            <a:solidFill>
+              <a:schemeClr val="accent6">
+                <a:lumMod val="75000"/>
+              </a:schemeClr>
+            </a:solidFill>
+          </a:ln>
+          <a:effectLst/>
+        </p:spPr>
+        <p:style>
+          <a:lnRef idx="1">
+            <a:schemeClr val="accent2"/>
+          </a:lnRef>
+          <a:fillRef idx="2">
+            <a:schemeClr val="accent2"/>
+          </a:fillRef>
+          <a:effectRef idx="1">
+            <a:schemeClr val="accent2"/>
+          </a:effectRef>
+          <a:fontRef idx="minor">
+            <a:schemeClr val="dk1"/>
+          </a:fontRef>
+        </p:style>
+        <p:txBody>
+          <a:bodyPr rtlCol="0" anchor="ctr"/>
+          <a:lstStyle/>
+          <a:p>
+            <a:pPr algn="ctr"/>
+            <a:endParaRPr lang="en-US" sz="1050">
+              <a:solidFill>
+                <a:schemeClr val="bg1"/>
+              </a:solidFill>
+            </a:endParaRPr>
+          </a:p>
+        </p:txBody>
+      </p:sp>
+      <p:cxnSp>
+        <p:nvCxnSpPr>
+          <p:cNvPr id="97" name="Elbow Connector 63"/>
+          <p:cNvCxnSpPr>
+            <a:cxnSpLocks/>
+            <a:stCxn id="99" idx="3"/>
+            <a:endCxn id="50" idx="1"/>
+          </p:cNvCxnSpPr>
+          <p:nvPr/>
+        </p:nvCxnSpPr>
+        <p:spPr>
+          <a:xfrm flipV="1">
+            <a:off x="3809463" y="4584455"/>
+            <a:ext cx="222200" cy="1197"/>
+          </a:xfrm>
+          <a:prstGeom prst="bentConnector3">
+            <a:avLst>
+              <a:gd name="adj1" fmla="val 50000"/>
+            </a:avLst>
+          </a:prstGeom>
+          <a:ln w="19050">
+            <a:solidFill>
+              <a:schemeClr val="accent6">
+                <a:lumMod val="75000"/>
+              </a:schemeClr>
+            </a:solidFill>
+            <a:prstDash val="sysDot"/>
+            <a:headEnd type="none" w="med" len="med"/>
+            <a:tailEnd type="none" w="med" len="med"/>
+          </a:ln>
+          <a:effectLst/>
+        </p:spPr>
+        <p:style>
+          <a:lnRef idx="1">
+            <a:schemeClr val="accent2"/>
+          </a:lnRef>
+          <a:fillRef idx="2">
+            <a:schemeClr val="accent2"/>
+          </a:fillRef>
+          <a:effectRef idx="1">
+            <a:schemeClr val="accent2"/>
+          </a:effectRef>
+          <a:fontRef idx="minor">
+            <a:schemeClr val="dk1"/>
+          </a:fontRef>
+        </p:style>
+      </p:cxnSp>
+      <p:sp>
+        <p:nvSpPr>
+          <p:cNvPr id="99" name="Isosceles Triangle 102"/>
+          <p:cNvSpPr/>
+          <p:nvPr/>
+        </p:nvSpPr>
+        <p:spPr>
+          <a:xfrm rot="5400000" flipV="1">
+            <a:off x="3586449" y="4497890"/>
             <a:ext cx="270504" cy="175523"/>
           </a:xfrm>
           <a:prstGeom prst="triangle">
@@ -3785,16 +4083,216 @@
       </p:sp>
       <p:cxnSp>
         <p:nvCxnSpPr>
-          <p:cNvPr id="58" name="Straight Arrow Connector 57"/>
+          <p:cNvPr id="124" name="Elbow Connector 122"/>
           <p:cNvCxnSpPr>
-            <a:stCxn id="42" idx="3"/>
-            <a:endCxn id="2" idx="1"/>
+            <a:cxnSpLocks/>
+            <a:stCxn id="50" idx="3"/>
+            <a:endCxn id="66" idx="1"/>
           </p:cNvCxnSpPr>
           <p:nvPr/>
         </p:nvCxnSpPr>
         <p:spPr>
+          <a:xfrm flipV="1">
+            <a:off x="5354712" y="4584082"/>
+            <a:ext cx="173315" cy="373"/>
+          </a:xfrm>
+          <a:prstGeom prst="bentConnector3">
+            <a:avLst>
+              <a:gd name="adj1" fmla="val 50000"/>
+            </a:avLst>
+          </a:prstGeom>
+          <a:ln w="19050">
+            <a:solidFill>
+              <a:schemeClr val="accent6">
+                <a:lumMod val="75000"/>
+              </a:schemeClr>
+            </a:solidFill>
+            <a:prstDash val="sysDot"/>
+            <a:headEnd type="none" w="med" len="med"/>
+            <a:tailEnd type="arrow" w="med" len="med"/>
+          </a:ln>
+          <a:effectLst/>
+        </p:spPr>
+        <p:style>
+          <a:lnRef idx="1">
+            <a:schemeClr val="accent2"/>
+          </a:lnRef>
+          <a:fillRef idx="2">
+            <a:schemeClr val="accent2"/>
+          </a:fillRef>
+          <a:effectRef idx="1">
+            <a:schemeClr val="accent2"/>
+          </a:effectRef>
+          <a:fontRef idx="minor">
+            <a:schemeClr val="dk1"/>
+          </a:fontRef>
+        </p:style>
+      </p:cxnSp>
+      <p:sp>
+        <p:nvSpPr>
+          <p:cNvPr id="50" name="Rectangle 8"/>
+          <p:cNvSpPr/>
+          <p:nvPr/>
+        </p:nvSpPr>
+        <p:spPr>
           <a:xfrm>
-            <a:off x="2656370" y="3326536"/>
+            <a:off x="4031663" y="4411075"/>
+            <a:ext cx="1323049" cy="346760"/>
+          </a:xfrm>
+          <a:prstGeom prst="rect">
+            <a:avLst/>
+          </a:prstGeom>
+          <a:ln w="19050"/>
+          <a:effectLst/>
+        </p:spPr>
+        <p:style>
+          <a:lnRef idx="1">
+            <a:schemeClr val="accent6"/>
+          </a:lnRef>
+          <a:fillRef idx="2">
+            <a:schemeClr val="accent6"/>
+          </a:fillRef>
+          <a:effectRef idx="1">
+            <a:schemeClr val="accent6"/>
+          </a:effectRef>
+          <a:fontRef idx="minor">
+            <a:schemeClr val="dk1"/>
+          </a:fontRef>
+        </p:style>
+        <p:txBody>
+          <a:bodyPr rtlCol="0" anchor="ctr"/>
+          <a:lstStyle/>
+          <a:p>
+            <a:pPr algn="ctr"/>
+            <a:r>
+              <a:rPr lang="en-US" sz="1050" b="1" dirty="0" err="1">
+                <a:solidFill>
+                  <a:schemeClr val="accent6">
+                    <a:lumMod val="75000"/>
+                  </a:schemeClr>
+                </a:solidFill>
+              </a:rPr>
+              <a:t>XmlCredentialStore</a:t>
+            </a:r>
+            <a:br>
+              <a:rPr lang="en-US" sz="1050" b="1" dirty="0">
+                <a:solidFill>
+                  <a:schemeClr val="accent6">
+                    <a:lumMod val="75000"/>
+                  </a:schemeClr>
+                </a:solidFill>
+              </a:rPr>
+            </a:br>
+            <a:r>
+              <a:rPr lang="en-US" sz="1050" b="1" dirty="0">
+                <a:solidFill>
+                  <a:schemeClr val="accent6">
+                    <a:lumMod val="75000"/>
+                  </a:schemeClr>
+                </a:solidFill>
+              </a:rPr>
+              <a:t>Storage</a:t>
+            </a:r>
+            <a:endParaRPr lang="en-SG" sz="1050" b="1" dirty="0">
+              <a:solidFill>
+                <a:schemeClr val="accent6">
+                  <a:lumMod val="75000"/>
+                </a:schemeClr>
+              </a:solidFill>
+            </a:endParaRPr>
+          </a:p>
+        </p:txBody>
+      </p:sp>
+      <p:sp>
+        <p:nvSpPr>
+          <p:cNvPr id="52" name="Rectangle 8"/>
+          <p:cNvSpPr/>
+          <p:nvPr/>
+        </p:nvSpPr>
+        <p:spPr>
+          <a:xfrm>
+            <a:off x="2287478" y="2535659"/>
+            <a:ext cx="1323049" cy="346760"/>
+          </a:xfrm>
+          <a:prstGeom prst="rect">
+            <a:avLst/>
+          </a:prstGeom>
+          <a:solidFill>
+            <a:schemeClr val="accent6">
+              <a:lumMod val="75000"/>
+            </a:schemeClr>
+          </a:solidFill>
+          <a:ln w="19050">
+            <a:solidFill>
+              <a:schemeClr val="accent6">
+                <a:lumMod val="75000"/>
+              </a:schemeClr>
+            </a:solidFill>
+          </a:ln>
+          <a:effectLst/>
+        </p:spPr>
+        <p:style>
+          <a:lnRef idx="1">
+            <a:schemeClr val="accent2"/>
+          </a:lnRef>
+          <a:fillRef idx="2">
+            <a:schemeClr val="accent2"/>
+          </a:fillRef>
+          <a:effectRef idx="1">
+            <a:schemeClr val="accent2"/>
+          </a:effectRef>
+          <a:fontRef idx="minor">
+            <a:schemeClr val="dk1"/>
+          </a:fontRef>
+        </p:style>
+        <p:txBody>
+          <a:bodyPr rtlCol="0" anchor="ctr"/>
+          <a:lstStyle/>
+          <a:p>
+            <a:pPr algn="ctr"/>
+            <a:r>
+              <a:rPr lang="en-US" sz="1050" dirty="0">
+                <a:solidFill>
+                  <a:schemeClr val="bg1"/>
+                </a:solidFill>
+              </a:rPr>
+              <a:t>&lt;&lt;interface&gt;&gt;</a:t>
+            </a:r>
+            <a:br>
+              <a:rPr lang="en-US" sz="1050" dirty="0">
+                <a:solidFill>
+                  <a:schemeClr val="bg1"/>
+                </a:solidFill>
+              </a:rPr>
+            </a:br>
+            <a:r>
+              <a:rPr lang="en-US" sz="1050" dirty="0" err="1">
+                <a:solidFill>
+                  <a:schemeClr val="bg1"/>
+                </a:solidFill>
+              </a:rPr>
+              <a:t>UserPrefsStorage</a:t>
+            </a:r>
+            <a:endParaRPr lang="en-SG" sz="1050" dirty="0">
+              <a:solidFill>
+                <a:schemeClr val="bg1"/>
+              </a:solidFill>
+            </a:endParaRPr>
+          </a:p>
+        </p:txBody>
+      </p:sp>
+      <p:cxnSp>
+        <p:nvCxnSpPr>
+          <p:cNvPr id="54" name="Straight Arrow Connector 53"/>
+          <p:cNvCxnSpPr>
+            <a:stCxn id="56" idx="3"/>
+            <a:endCxn id="52" idx="1"/>
+          </p:cNvCxnSpPr>
+          <p:nvPr/>
+        </p:nvCxnSpPr>
+        <p:spPr>
+          <a:xfrm>
+            <a:off x="2066668" y="2703755"/>
             <a:ext cx="220810" cy="5284"/>
           </a:xfrm>
           <a:prstGeom prst="straightConnector1">
@@ -3826,101 +4324,15 @@
           </a:fontRef>
         </p:style>
       </p:cxnSp>
-      <p:cxnSp>
-        <p:nvCxnSpPr>
-          <p:cNvPr id="75" name="Elbow Connector 122"/>
-          <p:cNvCxnSpPr/>
-          <p:nvPr/>
-        </p:nvCxnSpPr>
-        <p:spPr>
-          <a:xfrm>
-            <a:off x="910091" y="3040053"/>
-            <a:ext cx="419548" cy="2860"/>
-          </a:xfrm>
-          <a:prstGeom prst="bentConnector3">
-            <a:avLst>
-              <a:gd name="adj1" fmla="val 50000"/>
-            </a:avLst>
-          </a:prstGeom>
-          <a:ln w="19050">
-            <a:solidFill>
-              <a:schemeClr val="bg1">
-                <a:lumMod val="75000"/>
-              </a:schemeClr>
-            </a:solidFill>
-            <a:prstDash val="sysDot"/>
-            <a:headEnd type="none" w="med" len="med"/>
-            <a:tailEnd type="arrow" w="med" len="med"/>
-          </a:ln>
-          <a:effectLst/>
-        </p:spPr>
-        <p:style>
-          <a:lnRef idx="1">
-            <a:schemeClr val="accent2"/>
-          </a:lnRef>
-          <a:fillRef idx="2">
-            <a:schemeClr val="accent2"/>
-          </a:fillRef>
-          <a:effectRef idx="1">
-            <a:schemeClr val="accent2"/>
-          </a:effectRef>
-          <a:fontRef idx="minor">
-            <a:schemeClr val="dk1"/>
-          </a:fontRef>
-        </p:style>
-      </p:cxnSp>
-      <p:cxnSp>
-        <p:nvCxnSpPr>
-          <p:cNvPr id="21" name="Straight Connector 20"/>
-          <p:cNvCxnSpPr>
-            <a:stCxn id="120" idx="3"/>
-          </p:cNvCxnSpPr>
-          <p:nvPr/>
-        </p:nvCxnSpPr>
-        <p:spPr>
-          <a:xfrm flipV="1">
-            <a:off x="1849924" y="3040052"/>
-            <a:ext cx="216105" cy="1"/>
-          </a:xfrm>
-          <a:prstGeom prst="line">
-            <a:avLst/>
-          </a:prstGeom>
-          <a:ln w="19050">
-            <a:solidFill>
-              <a:schemeClr val="accent6">
-                <a:lumMod val="75000"/>
-              </a:schemeClr>
-            </a:solidFill>
-            <a:prstDash val="sysDot"/>
-            <a:headEnd type="none" w="med" len="med"/>
-            <a:tailEnd type="none" w="med" len="med"/>
-          </a:ln>
-          <a:effectLst/>
-        </p:spPr>
-        <p:style>
-          <a:lnRef idx="1">
-            <a:schemeClr val="accent2"/>
-          </a:lnRef>
-          <a:fillRef idx="2">
-            <a:schemeClr val="accent2"/>
-          </a:fillRef>
-          <a:effectRef idx="1">
-            <a:schemeClr val="accent2"/>
-          </a:effectRef>
-          <a:fontRef idx="minor">
-            <a:schemeClr val="dk1"/>
-          </a:fontRef>
-        </p:style>
-      </p:cxnSp>
-      <p:sp>
-        <p:nvSpPr>
-          <p:cNvPr id="42" name="Flowchart: Decision 96"/>
+      <p:sp>
+        <p:nvSpPr>
+          <p:cNvPr id="56" name="Flowchart: Decision 96"/>
           <p:cNvSpPr/>
           <p:nvPr/>
         </p:nvSpPr>
         <p:spPr>
           <a:xfrm>
-            <a:off x="2420322" y="3239846"/>
+            <a:off x="1830620" y="2617065"/>
             <a:ext cx="236048" cy="173380"/>
           </a:xfrm>
           <a:prstGeom prst="flowChartDecision">
@@ -3965,16 +4377,16 @@
       </p:sp>
       <p:cxnSp>
         <p:nvCxnSpPr>
-          <p:cNvPr id="97" name="Elbow Connector 63"/>
+          <p:cNvPr id="60" name="Elbow Connector 63"/>
           <p:cNvCxnSpPr>
-            <a:stCxn id="99" idx="3"/>
-            <a:endCxn id="50" idx="1"/>
+            <a:stCxn id="61" idx="3"/>
+            <a:endCxn id="65" idx="1"/>
           </p:cNvCxnSpPr>
           <p:nvPr/>
         </p:nvCxnSpPr>
         <p:spPr>
           <a:xfrm flipV="1">
-            <a:off x="4398041" y="3331820"/>
+            <a:off x="3808339" y="2709039"/>
             <a:ext cx="223324" cy="1"/>
           </a:xfrm>
           <a:prstGeom prst="bentConnector3">
@@ -4011,13 +4423,13 @@
       </p:cxnSp>
       <p:sp>
         <p:nvSpPr>
-          <p:cNvPr id="99" name="Isosceles Triangle 102"/>
+          <p:cNvPr id="61" name="Isosceles Triangle 102"/>
           <p:cNvSpPr/>
           <p:nvPr/>
         </p:nvSpPr>
         <p:spPr>
           <a:xfrm rot="5400000" flipV="1">
-            <a:off x="4175027" y="3244059"/>
+            <a:off x="3585325" y="2621278"/>
             <a:ext cx="270504" cy="175523"/>
           </a:xfrm>
           <a:prstGeom prst="triangle">
@@ -4064,19 +4476,807 @@
           </a:p>
         </p:txBody>
       </p:sp>
+      <p:sp>
+        <p:nvSpPr>
+          <p:cNvPr id="65" name="Rectangle 8"/>
+          <p:cNvSpPr/>
+          <p:nvPr/>
+        </p:nvSpPr>
+        <p:spPr>
+          <a:xfrm>
+            <a:off x="4031663" y="2535659"/>
+            <a:ext cx="1093635" cy="346760"/>
+          </a:xfrm>
+          <a:prstGeom prst="rect">
+            <a:avLst/>
+          </a:prstGeom>
+          <a:solidFill>
+            <a:schemeClr val="accent6">
+              <a:lumMod val="75000"/>
+            </a:schemeClr>
+          </a:solidFill>
+          <a:ln w="19050">
+            <a:solidFill>
+              <a:schemeClr val="accent6">
+                <a:lumMod val="75000"/>
+              </a:schemeClr>
+            </a:solidFill>
+          </a:ln>
+          <a:effectLst/>
+        </p:spPr>
+        <p:style>
+          <a:lnRef idx="1">
+            <a:schemeClr val="accent2"/>
+          </a:lnRef>
+          <a:fillRef idx="2">
+            <a:schemeClr val="accent2"/>
+          </a:fillRef>
+          <a:effectRef idx="1">
+            <a:schemeClr val="accent2"/>
+          </a:effectRef>
+          <a:fontRef idx="minor">
+            <a:schemeClr val="dk1"/>
+          </a:fontRef>
+        </p:style>
+        <p:txBody>
+          <a:bodyPr rtlCol="0" anchor="ctr"/>
+          <a:lstStyle/>
+          <a:p>
+            <a:pPr algn="ctr"/>
+            <a:r>
+              <a:rPr lang="en-US" sz="1050" dirty="0" err="1">
+                <a:solidFill>
+                  <a:schemeClr val="bg1"/>
+                </a:solidFill>
+              </a:rPr>
+              <a:t>JsonUserPrefs</a:t>
+            </a:r>
+            <a:br>
+              <a:rPr lang="en-US" sz="1050" dirty="0">
+                <a:solidFill>
+                  <a:schemeClr val="bg1"/>
+                </a:solidFill>
+              </a:rPr>
+            </a:br>
+            <a:r>
+              <a:rPr lang="en-US" sz="1050" dirty="0">
+                <a:solidFill>
+                  <a:schemeClr val="bg1"/>
+                </a:solidFill>
+              </a:rPr>
+              <a:t>Storage</a:t>
+            </a:r>
+            <a:endParaRPr lang="en-SG" sz="1050" dirty="0">
+              <a:solidFill>
+                <a:schemeClr val="bg1"/>
+              </a:solidFill>
+            </a:endParaRPr>
+          </a:p>
+        </p:txBody>
+      </p:sp>
+      <p:sp>
+        <p:nvSpPr>
+          <p:cNvPr id="66" name="Rectangle 8"/>
+          <p:cNvSpPr/>
+          <p:nvPr/>
+        </p:nvSpPr>
+        <p:spPr>
+          <a:xfrm>
+            <a:off x="5528027" y="4410702"/>
+            <a:ext cx="1200707" cy="346760"/>
+          </a:xfrm>
+          <a:prstGeom prst="rect">
+            <a:avLst/>
+          </a:prstGeom>
+          <a:ln w="19050"/>
+          <a:effectLst/>
+        </p:spPr>
+        <p:style>
+          <a:lnRef idx="1">
+            <a:schemeClr val="accent6"/>
+          </a:lnRef>
+          <a:fillRef idx="2">
+            <a:schemeClr val="accent6"/>
+          </a:fillRef>
+          <a:effectRef idx="1">
+            <a:schemeClr val="accent6"/>
+          </a:effectRef>
+          <a:fontRef idx="minor">
+            <a:schemeClr val="dk1"/>
+          </a:fontRef>
+        </p:style>
+        <p:txBody>
+          <a:bodyPr rtlCol="0" anchor="ctr"/>
+          <a:lstStyle/>
+          <a:p>
+            <a:pPr algn="ctr"/>
+            <a:r>
+              <a:rPr lang="en-US" sz="1050" b="1" dirty="0" err="1">
+                <a:solidFill>
+                  <a:schemeClr val="accent6">
+                    <a:lumMod val="75000"/>
+                  </a:schemeClr>
+                </a:solidFill>
+              </a:rPr>
+              <a:t>XmlSerializable</a:t>
+            </a:r>
+            <a:br>
+              <a:rPr lang="en-US" sz="1050" b="1" dirty="0">
+                <a:solidFill>
+                  <a:schemeClr val="accent6">
+                    <a:lumMod val="75000"/>
+                  </a:schemeClr>
+                </a:solidFill>
+              </a:rPr>
+            </a:br>
+            <a:r>
+              <a:rPr lang="en-US" sz="1050" b="1" dirty="0" err="1">
+                <a:solidFill>
+                  <a:schemeClr val="accent6">
+                    <a:lumMod val="75000"/>
+                  </a:schemeClr>
+                </a:solidFill>
+              </a:rPr>
+              <a:t>CredentialStore</a:t>
+            </a:r>
+            <a:endParaRPr lang="en-SG" sz="1050" b="1" dirty="0">
+              <a:solidFill>
+                <a:schemeClr val="accent6">
+                  <a:lumMod val="75000"/>
+                </a:schemeClr>
+              </a:solidFill>
+            </a:endParaRPr>
+          </a:p>
+        </p:txBody>
+      </p:sp>
+      <p:sp>
+        <p:nvSpPr>
+          <p:cNvPr id="74" name="Rectangle 8"/>
+          <p:cNvSpPr/>
+          <p:nvPr/>
+        </p:nvSpPr>
+        <p:spPr>
+          <a:xfrm>
+            <a:off x="7029273" y="4411406"/>
+            <a:ext cx="1259718" cy="346760"/>
+          </a:xfrm>
+          <a:prstGeom prst="rect">
+            <a:avLst/>
+          </a:prstGeom>
+          <a:ln w="19050"/>
+          <a:effectLst/>
+        </p:spPr>
+        <p:style>
+          <a:lnRef idx="1">
+            <a:schemeClr val="accent6"/>
+          </a:lnRef>
+          <a:fillRef idx="2">
+            <a:schemeClr val="accent6"/>
+          </a:fillRef>
+          <a:effectRef idx="1">
+            <a:schemeClr val="accent6"/>
+          </a:effectRef>
+          <a:fontRef idx="minor">
+            <a:schemeClr val="dk1"/>
+          </a:fontRef>
+        </p:style>
+        <p:txBody>
+          <a:bodyPr rtlCol="0" anchor="ctr"/>
+          <a:lstStyle/>
+          <a:p>
+            <a:pPr algn="ctr"/>
+            <a:r>
+              <a:rPr lang="en-US" sz="1050" b="1" dirty="0" err="1">
+                <a:solidFill>
+                  <a:schemeClr val="accent6">
+                    <a:lumMod val="75000"/>
+                  </a:schemeClr>
+                </a:solidFill>
+              </a:rPr>
+              <a:t>XmlAdapted</a:t>
+            </a:r>
+            <a:br>
+              <a:rPr lang="en-US" sz="1050" b="1" dirty="0">
+                <a:solidFill>
+                  <a:schemeClr val="accent6">
+                    <a:lumMod val="75000"/>
+                  </a:schemeClr>
+                </a:solidFill>
+              </a:rPr>
+            </a:br>
+            <a:r>
+              <a:rPr lang="en-US" sz="1050" b="1" dirty="0">
+                <a:solidFill>
+                  <a:schemeClr val="accent6">
+                    <a:lumMod val="75000"/>
+                  </a:schemeClr>
+                </a:solidFill>
+              </a:rPr>
+              <a:t>Credential</a:t>
+            </a:r>
+            <a:endParaRPr lang="en-SG" sz="1050" b="1" dirty="0">
+              <a:solidFill>
+                <a:schemeClr val="accent6">
+                  <a:lumMod val="75000"/>
+                </a:schemeClr>
+              </a:solidFill>
+            </a:endParaRPr>
+          </a:p>
+        </p:txBody>
+      </p:sp>
       <p:cxnSp>
         <p:nvCxnSpPr>
-          <p:cNvPr id="124" name="Elbow Connector 122"/>
+          <p:cNvPr id="77" name="Elbow Connector 122"/>
           <p:cNvCxnSpPr>
-            <a:stCxn id="50" idx="3"/>
-            <a:endCxn id="66" idx="1"/>
+            <a:stCxn id="66" idx="3"/>
+            <a:endCxn id="74" idx="1"/>
           </p:cNvCxnSpPr>
           <p:nvPr/>
         </p:nvCxnSpPr>
         <p:spPr>
           <a:xfrm>
-            <a:off x="5791200" y="3331820"/>
-            <a:ext cx="228600" cy="1970"/>
+            <a:off x="6728734" y="4584082"/>
+            <a:ext cx="300539" cy="704"/>
+          </a:xfrm>
+          <a:prstGeom prst="bentConnector3">
+            <a:avLst>
+              <a:gd name="adj1" fmla="val 50000"/>
+            </a:avLst>
+          </a:prstGeom>
+          <a:ln w="19050">
+            <a:prstDash val="sysDot"/>
+            <a:headEnd type="none" w="med" len="med"/>
+            <a:tailEnd type="arrow" w="med" len="med"/>
+          </a:ln>
+          <a:effectLst/>
+        </p:spPr>
+        <p:style>
+          <a:lnRef idx="1">
+            <a:schemeClr val="accent6"/>
+          </a:lnRef>
+          <a:fillRef idx="2">
+            <a:schemeClr val="accent6"/>
+          </a:fillRef>
+          <a:effectRef idx="1">
+            <a:schemeClr val="accent6"/>
+          </a:effectRef>
+          <a:fontRef idx="minor">
+            <a:schemeClr val="dk1"/>
+          </a:fontRef>
+        </p:style>
+      </p:cxnSp>
+      <p:cxnSp>
+        <p:nvCxnSpPr>
+          <p:cNvPr id="30" name="Straight Arrow Connector 29">
+            <a:extLst>
+              <a:ext uri="{FF2B5EF4-FFF2-40B4-BE49-F238E27FC236}">
+                <a16:creationId xmlns:a16="http://schemas.microsoft.com/office/drawing/2014/main" id="{49B759C3-DA19-4369-8A5C-8A880C2FD817}"/>
+              </a:ext>
+            </a:extLst>
+          </p:cNvPr>
+          <p:cNvCxnSpPr>
+            <a:cxnSpLocks/>
+            <a:stCxn id="31" idx="3"/>
+            <a:endCxn id="80" idx="1"/>
+          </p:cNvCxnSpPr>
+          <p:nvPr/>
+        </p:nvCxnSpPr>
+        <p:spPr>
+          <a:xfrm flipV="1">
+            <a:off x="2053744" y="3849322"/>
+            <a:ext cx="215365" cy="1648"/>
+          </a:xfrm>
+          <a:prstGeom prst="straightConnector1">
+            <a:avLst/>
+          </a:prstGeom>
+          <a:ln w="19050">
+            <a:solidFill>
+              <a:schemeClr val="accent6">
+                <a:lumMod val="75000"/>
+              </a:schemeClr>
+            </a:solidFill>
+            <a:headEnd type="none" w="med" len="med"/>
+            <a:tailEnd type="arrow" w="med" len="med"/>
+          </a:ln>
+          <a:effectLst/>
+        </p:spPr>
+        <p:style>
+          <a:lnRef idx="1">
+            <a:schemeClr val="accent2"/>
+          </a:lnRef>
+          <a:fillRef idx="2">
+            <a:schemeClr val="accent2"/>
+          </a:fillRef>
+          <a:effectRef idx="1">
+            <a:schemeClr val="accent2"/>
+          </a:effectRef>
+          <a:fontRef idx="minor">
+            <a:schemeClr val="dk1"/>
+          </a:fontRef>
+        </p:style>
+      </p:cxnSp>
+      <p:sp>
+        <p:nvSpPr>
+          <p:cNvPr id="31" name="Flowchart: Decision 96">
+            <a:extLst>
+              <a:ext uri="{FF2B5EF4-FFF2-40B4-BE49-F238E27FC236}">
+                <a16:creationId xmlns:a16="http://schemas.microsoft.com/office/drawing/2014/main" id="{5C47E6D7-686E-4F40-88BC-D3D74722D196}"/>
+              </a:ext>
+            </a:extLst>
+          </p:cNvPr>
+          <p:cNvSpPr/>
+          <p:nvPr/>
+        </p:nvSpPr>
+        <p:spPr>
+          <a:xfrm>
+            <a:off x="1817696" y="3764280"/>
+            <a:ext cx="236048" cy="173380"/>
+          </a:xfrm>
+          <a:prstGeom prst="flowChartDecision">
+            <a:avLst/>
+          </a:prstGeom>
+          <a:noFill/>
+          <a:ln w="19050">
+            <a:solidFill>
+              <a:schemeClr val="accent6">
+                <a:lumMod val="75000"/>
+              </a:schemeClr>
+            </a:solidFill>
+          </a:ln>
+          <a:effectLst/>
+        </p:spPr>
+        <p:style>
+          <a:lnRef idx="1">
+            <a:schemeClr val="accent2"/>
+          </a:lnRef>
+          <a:fillRef idx="2">
+            <a:schemeClr val="accent2"/>
+          </a:fillRef>
+          <a:effectRef idx="1">
+            <a:schemeClr val="accent2"/>
+          </a:effectRef>
+          <a:fontRef idx="minor">
+            <a:schemeClr val="dk1"/>
+          </a:fontRef>
+        </p:style>
+        <p:txBody>
+          <a:bodyPr rtlCol="0" anchor="ctr"/>
+          <a:lstStyle/>
+          <a:p>
+            <a:pPr algn="ctr"/>
+            <a:endParaRPr lang="en-US" sz="1050">
+              <a:solidFill>
+                <a:schemeClr val="bg1"/>
+              </a:solidFill>
+            </a:endParaRPr>
+          </a:p>
+        </p:txBody>
+      </p:sp>
+      <p:cxnSp>
+        <p:nvCxnSpPr>
+          <p:cNvPr id="32" name="Elbow Connector 63">
+            <a:extLst>
+              <a:ext uri="{FF2B5EF4-FFF2-40B4-BE49-F238E27FC236}">
+                <a16:creationId xmlns:a16="http://schemas.microsoft.com/office/drawing/2014/main" id="{97E62FAD-313D-465A-8BC7-F2933E12A23A}"/>
+              </a:ext>
+            </a:extLst>
+          </p:cNvPr>
+          <p:cNvCxnSpPr>
+            <a:cxnSpLocks/>
+            <a:stCxn id="33" idx="3"/>
+            <a:endCxn id="34" idx="1"/>
+          </p:cNvCxnSpPr>
+          <p:nvPr/>
+        </p:nvCxnSpPr>
+        <p:spPr>
+          <a:xfrm flipV="1">
+            <a:off x="3767683" y="3873295"/>
+            <a:ext cx="251056" cy="1"/>
+          </a:xfrm>
+          <a:prstGeom prst="bentConnector3">
+            <a:avLst>
+              <a:gd name="adj1" fmla="val 50000"/>
+            </a:avLst>
+          </a:prstGeom>
+          <a:ln w="19050">
+            <a:solidFill>
+              <a:schemeClr val="accent6">
+                <a:lumMod val="75000"/>
+              </a:schemeClr>
+            </a:solidFill>
+            <a:prstDash val="sysDot"/>
+            <a:headEnd type="none" w="med" len="med"/>
+            <a:tailEnd type="none" w="med" len="med"/>
+          </a:ln>
+          <a:effectLst/>
+        </p:spPr>
+        <p:style>
+          <a:lnRef idx="1">
+            <a:schemeClr val="accent2"/>
+          </a:lnRef>
+          <a:fillRef idx="2">
+            <a:schemeClr val="accent2"/>
+          </a:fillRef>
+          <a:effectRef idx="1">
+            <a:schemeClr val="accent2"/>
+          </a:effectRef>
+          <a:fontRef idx="minor">
+            <a:schemeClr val="dk1"/>
+          </a:fontRef>
+        </p:style>
+      </p:cxnSp>
+      <p:sp>
+        <p:nvSpPr>
+          <p:cNvPr id="33" name="Isosceles Triangle 102">
+            <a:extLst>
+              <a:ext uri="{FF2B5EF4-FFF2-40B4-BE49-F238E27FC236}">
+                <a16:creationId xmlns:a16="http://schemas.microsoft.com/office/drawing/2014/main" id="{675ECA1C-B891-48B6-8238-634E4C97414F}"/>
+              </a:ext>
+            </a:extLst>
+          </p:cNvPr>
+          <p:cNvSpPr/>
+          <p:nvPr/>
+        </p:nvSpPr>
+        <p:spPr>
+          <a:xfrm rot="5400000" flipV="1">
+            <a:off x="3544669" y="3785534"/>
+            <a:ext cx="270504" cy="175523"/>
+          </a:xfrm>
+          <a:prstGeom prst="triangle">
+            <a:avLst/>
+          </a:prstGeom>
+          <a:solidFill>
+            <a:schemeClr val="accent6">
+              <a:lumMod val="75000"/>
+            </a:schemeClr>
+          </a:solidFill>
+          <a:ln w="19050">
+            <a:solidFill>
+              <a:schemeClr val="accent6">
+                <a:lumMod val="75000"/>
+              </a:schemeClr>
+            </a:solidFill>
+          </a:ln>
+          <a:effectLst/>
+        </p:spPr>
+        <p:style>
+          <a:lnRef idx="1">
+            <a:schemeClr val="accent2"/>
+          </a:lnRef>
+          <a:fillRef idx="2">
+            <a:schemeClr val="accent2"/>
+          </a:fillRef>
+          <a:effectRef idx="1">
+            <a:schemeClr val="accent2"/>
+          </a:effectRef>
+          <a:fontRef idx="minor">
+            <a:schemeClr val="dk1"/>
+          </a:fontRef>
+        </p:style>
+        <p:txBody>
+          <a:bodyPr rtlCol="0" anchor="ctr"/>
+          <a:lstStyle/>
+          <a:p>
+            <a:pPr algn="ctr"/>
+            <a:endParaRPr lang="en-SG" sz="1050">
+              <a:solidFill>
+                <a:schemeClr val="bg1"/>
+              </a:solidFill>
+            </a:endParaRPr>
+          </a:p>
+        </p:txBody>
+      </p:sp>
+      <p:sp>
+        <p:nvSpPr>
+          <p:cNvPr id="34" name="Rectangle 8">
+            <a:extLst>
+              <a:ext uri="{FF2B5EF4-FFF2-40B4-BE49-F238E27FC236}">
+                <a16:creationId xmlns:a16="http://schemas.microsoft.com/office/drawing/2014/main" id="{9673354C-5EC1-4E9A-8D9C-E597373879D3}"/>
+              </a:ext>
+            </a:extLst>
+          </p:cNvPr>
+          <p:cNvSpPr/>
+          <p:nvPr/>
+        </p:nvSpPr>
+        <p:spPr>
+          <a:xfrm>
+            <a:off x="4018739" y="3699915"/>
+            <a:ext cx="1339210" cy="346760"/>
+          </a:xfrm>
+          <a:prstGeom prst="rect">
+            <a:avLst/>
+          </a:prstGeom>
+          <a:ln w="19050"/>
+          <a:effectLst/>
+        </p:spPr>
+        <p:style>
+          <a:lnRef idx="1">
+            <a:schemeClr val="accent6"/>
+          </a:lnRef>
+          <a:fillRef idx="2">
+            <a:schemeClr val="accent6"/>
+          </a:fillRef>
+          <a:effectRef idx="1">
+            <a:schemeClr val="accent6"/>
+          </a:effectRef>
+          <a:fontRef idx="minor">
+            <a:schemeClr val="dk1"/>
+          </a:fontRef>
+        </p:style>
+        <p:txBody>
+          <a:bodyPr rtlCol="0" anchor="ctr"/>
+          <a:lstStyle/>
+          <a:p>
+            <a:pPr algn="ctr"/>
+            <a:r>
+              <a:rPr lang="en-US" sz="1050" b="1" dirty="0" err="1">
+                <a:solidFill>
+                  <a:schemeClr val="accent6">
+                    <a:lumMod val="75000"/>
+                  </a:schemeClr>
+                </a:solidFill>
+              </a:rPr>
+              <a:t>XmlModuleList</a:t>
+            </a:r>
+            <a:br>
+              <a:rPr lang="en-US" sz="1050" b="1" dirty="0">
+                <a:solidFill>
+                  <a:schemeClr val="accent6">
+                    <a:lumMod val="75000"/>
+                  </a:schemeClr>
+                </a:solidFill>
+              </a:rPr>
+            </a:br>
+            <a:r>
+              <a:rPr lang="en-US" sz="1050" b="1" dirty="0">
+                <a:solidFill>
+                  <a:schemeClr val="accent6">
+                    <a:lumMod val="75000"/>
+                  </a:schemeClr>
+                </a:solidFill>
+              </a:rPr>
+              <a:t>Storage</a:t>
+            </a:r>
+            <a:endParaRPr lang="en-SG" sz="1050" b="1" dirty="0">
+              <a:solidFill>
+                <a:schemeClr val="accent6">
+                  <a:lumMod val="75000"/>
+                </a:schemeClr>
+              </a:solidFill>
+            </a:endParaRPr>
+          </a:p>
+        </p:txBody>
+      </p:sp>
+      <p:sp>
+        <p:nvSpPr>
+          <p:cNvPr id="40" name="Rectangle 8">
+            <a:extLst>
+              <a:ext uri="{FF2B5EF4-FFF2-40B4-BE49-F238E27FC236}">
+                <a16:creationId xmlns:a16="http://schemas.microsoft.com/office/drawing/2014/main" id="{AA029EB9-1B67-495F-BAEC-CCB6E284ACC0}"/>
+              </a:ext>
+            </a:extLst>
+          </p:cNvPr>
+          <p:cNvSpPr/>
+          <p:nvPr/>
+        </p:nvSpPr>
+        <p:spPr>
+          <a:xfrm>
+            <a:off x="5528028" y="3700808"/>
+            <a:ext cx="1200707" cy="346760"/>
+          </a:xfrm>
+          <a:prstGeom prst="rect">
+            <a:avLst/>
+          </a:prstGeom>
+          <a:ln w="19050"/>
+          <a:effectLst/>
+        </p:spPr>
+        <p:style>
+          <a:lnRef idx="1">
+            <a:schemeClr val="accent6"/>
+          </a:lnRef>
+          <a:fillRef idx="2">
+            <a:schemeClr val="accent6"/>
+          </a:fillRef>
+          <a:effectRef idx="1">
+            <a:schemeClr val="accent6"/>
+          </a:effectRef>
+          <a:fontRef idx="minor">
+            <a:schemeClr val="dk1"/>
+          </a:fontRef>
+        </p:style>
+        <p:txBody>
+          <a:bodyPr rtlCol="0" anchor="ctr"/>
+          <a:lstStyle/>
+          <a:p>
+            <a:pPr algn="ctr"/>
+            <a:r>
+              <a:rPr lang="en-US" sz="1050" b="1" dirty="0" err="1">
+                <a:solidFill>
+                  <a:schemeClr val="accent6">
+                    <a:lumMod val="75000"/>
+                  </a:schemeClr>
+                </a:solidFill>
+              </a:rPr>
+              <a:t>XmlSerializable</a:t>
+            </a:r>
+            <a:br>
+              <a:rPr lang="en-US" sz="1050" b="1" dirty="0">
+                <a:solidFill>
+                  <a:schemeClr val="accent6">
+                    <a:lumMod val="75000"/>
+                  </a:schemeClr>
+                </a:solidFill>
+              </a:rPr>
+            </a:br>
+            <a:r>
+              <a:rPr lang="en-US" sz="1050" b="1" dirty="0" err="1">
+                <a:solidFill>
+                  <a:schemeClr val="accent6">
+                    <a:lumMod val="75000"/>
+                  </a:schemeClr>
+                </a:solidFill>
+              </a:rPr>
+              <a:t>ModuleList</a:t>
+            </a:r>
+            <a:endParaRPr lang="en-SG" sz="1050" b="1" dirty="0">
+              <a:solidFill>
+                <a:schemeClr val="accent6">
+                  <a:lumMod val="75000"/>
+                </a:schemeClr>
+              </a:solidFill>
+            </a:endParaRPr>
+          </a:p>
+        </p:txBody>
+      </p:sp>
+      <p:sp>
+        <p:nvSpPr>
+          <p:cNvPr id="41" name="Rectangle 8">
+            <a:extLst>
+              <a:ext uri="{FF2B5EF4-FFF2-40B4-BE49-F238E27FC236}">
+                <a16:creationId xmlns:a16="http://schemas.microsoft.com/office/drawing/2014/main" id="{7EDCA983-2E0D-4C4B-8C04-C103A6C4B0AF}"/>
+              </a:ext>
+            </a:extLst>
+          </p:cNvPr>
+          <p:cNvSpPr/>
+          <p:nvPr/>
+        </p:nvSpPr>
+        <p:spPr>
+          <a:xfrm>
+            <a:off x="7029273" y="3700022"/>
+            <a:ext cx="1259718" cy="346760"/>
+          </a:xfrm>
+          <a:prstGeom prst="rect">
+            <a:avLst/>
+          </a:prstGeom>
+          <a:ln w="19050"/>
+          <a:effectLst/>
+        </p:spPr>
+        <p:style>
+          <a:lnRef idx="1">
+            <a:schemeClr val="accent6"/>
+          </a:lnRef>
+          <a:fillRef idx="2">
+            <a:schemeClr val="accent6"/>
+          </a:fillRef>
+          <a:effectRef idx="1">
+            <a:schemeClr val="accent6"/>
+          </a:effectRef>
+          <a:fontRef idx="minor">
+            <a:schemeClr val="dk1"/>
+          </a:fontRef>
+        </p:style>
+        <p:txBody>
+          <a:bodyPr rtlCol="0" anchor="ctr"/>
+          <a:lstStyle/>
+          <a:p>
+            <a:pPr algn="ctr"/>
+            <a:r>
+              <a:rPr lang="en-US" sz="1050" b="1" dirty="0" err="1">
+                <a:solidFill>
+                  <a:schemeClr val="accent6">
+                    <a:lumMod val="75000"/>
+                  </a:schemeClr>
+                </a:solidFill>
+              </a:rPr>
+              <a:t>XmlAdapted</a:t>
+            </a:r>
+            <a:br>
+              <a:rPr lang="en-US" sz="1050" b="1" dirty="0">
+                <a:solidFill>
+                  <a:schemeClr val="accent6">
+                    <a:lumMod val="75000"/>
+                  </a:schemeClr>
+                </a:solidFill>
+              </a:rPr>
+            </a:br>
+            <a:r>
+              <a:rPr lang="en-US" sz="1050" b="1" dirty="0">
+                <a:solidFill>
+                  <a:schemeClr val="accent6">
+                    <a:lumMod val="75000"/>
+                  </a:schemeClr>
+                </a:solidFill>
+              </a:rPr>
+              <a:t>Module</a:t>
+            </a:r>
+            <a:endParaRPr lang="en-SG" sz="1050" b="1" dirty="0">
+              <a:solidFill>
+                <a:schemeClr val="accent6">
+                  <a:lumMod val="75000"/>
+                </a:schemeClr>
+              </a:solidFill>
+            </a:endParaRPr>
+          </a:p>
+        </p:txBody>
+      </p:sp>
+      <p:cxnSp>
+        <p:nvCxnSpPr>
+          <p:cNvPr id="43" name="Elbow Connector 122">
+            <a:extLst>
+              <a:ext uri="{FF2B5EF4-FFF2-40B4-BE49-F238E27FC236}">
+                <a16:creationId xmlns:a16="http://schemas.microsoft.com/office/drawing/2014/main" id="{08DC36F7-BC81-40C9-BB87-DFEDE13D7D9B}"/>
+              </a:ext>
+            </a:extLst>
+          </p:cNvPr>
+          <p:cNvCxnSpPr>
+            <a:cxnSpLocks/>
+            <a:stCxn id="40" idx="3"/>
+            <a:endCxn id="41" idx="1"/>
+          </p:cNvCxnSpPr>
+          <p:nvPr/>
+        </p:nvCxnSpPr>
+        <p:spPr>
+          <a:xfrm flipV="1">
+            <a:off x="6728735" y="3873402"/>
+            <a:ext cx="300538" cy="786"/>
+          </a:xfrm>
+          <a:prstGeom prst="bentConnector3">
+            <a:avLst>
+              <a:gd name="adj1" fmla="val 50000"/>
+            </a:avLst>
+          </a:prstGeom>
+          <a:ln w="19050">
+            <a:prstDash val="sysDot"/>
+            <a:headEnd type="none" w="med" len="med"/>
+            <a:tailEnd type="arrow" w="med" len="med"/>
+          </a:ln>
+          <a:effectLst/>
+        </p:spPr>
+        <p:style>
+          <a:lnRef idx="1">
+            <a:schemeClr val="accent6"/>
+          </a:lnRef>
+          <a:fillRef idx="2">
+            <a:schemeClr val="accent6"/>
+          </a:fillRef>
+          <a:effectRef idx="1">
+            <a:schemeClr val="accent6"/>
+          </a:effectRef>
+          <a:fontRef idx="minor">
+            <a:schemeClr val="dk1"/>
+          </a:fontRef>
+        </p:style>
+      </p:cxnSp>
+      <p:cxnSp>
+        <p:nvCxnSpPr>
+          <p:cNvPr id="44" name="Elbow Connector 122">
+            <a:extLst>
+              <a:ext uri="{FF2B5EF4-FFF2-40B4-BE49-F238E27FC236}">
+                <a16:creationId xmlns:a16="http://schemas.microsoft.com/office/drawing/2014/main" id="{7EE35AC1-AE08-4D47-857C-DC09DB8BCD45}"/>
+              </a:ext>
+            </a:extLst>
+          </p:cNvPr>
+          <p:cNvCxnSpPr>
+            <a:cxnSpLocks/>
+            <a:stCxn id="34" idx="3"/>
+            <a:endCxn id="40" idx="1"/>
+          </p:cNvCxnSpPr>
+          <p:nvPr/>
+        </p:nvCxnSpPr>
+        <p:spPr>
+          <a:xfrm>
+            <a:off x="5357949" y="3873295"/>
+            <a:ext cx="170079" cy="893"/>
           </a:xfrm>
           <a:prstGeom prst="bentConnector3">
             <a:avLst>
@@ -4112,99 +5312,20 @@
       </p:cxnSp>
       <p:sp>
         <p:nvSpPr>
-          <p:cNvPr id="50" name="Rectangle 8"/>
+          <p:cNvPr id="62" name="Rectangle 8">
+            <a:extLst>
+              <a:ext uri="{FF2B5EF4-FFF2-40B4-BE49-F238E27FC236}">
+                <a16:creationId xmlns:a16="http://schemas.microsoft.com/office/drawing/2014/main" id="{72021FD3-70BC-4D66-9AB7-AB31C7F537E8}"/>
+              </a:ext>
+            </a:extLst>
+          </p:cNvPr>
           <p:cNvSpPr/>
           <p:nvPr/>
         </p:nvSpPr>
         <p:spPr>
           <a:xfrm>
-            <a:off x="4621365" y="3158440"/>
-            <a:ext cx="1169835" cy="346760"/>
-          </a:xfrm>
-          <a:prstGeom prst="rect">
-            <a:avLst/>
-          </a:prstGeom>
-          <a:ln w="19050"/>
-          <a:effectLst/>
-        </p:spPr>
-        <p:style>
-          <a:lnRef idx="1">
-            <a:schemeClr val="accent6"/>
-          </a:lnRef>
-          <a:fillRef idx="2">
-            <a:schemeClr val="accent6"/>
-          </a:fillRef>
-          <a:effectRef idx="1">
-            <a:schemeClr val="accent6"/>
-          </a:effectRef>
-          <a:fontRef idx="minor">
-            <a:schemeClr val="dk1"/>
-          </a:fontRef>
-        </p:style>
-        <p:txBody>
-          <a:bodyPr rtlCol="0" anchor="ctr"/>
-          <a:lstStyle/>
-          <a:p>
-            <a:pPr algn="ctr"/>
-            <a:r>
-              <a:rPr lang="en-US" sz="1050" b="1" dirty="0" err="1" smtClean="0">
-                <a:solidFill>
-                  <a:schemeClr val="accent6">
-                    <a:lumMod val="75000"/>
-                  </a:schemeClr>
-                </a:solidFill>
-              </a:rPr>
-              <a:t>XmlAddressBook</a:t>
-            </a:r>
-            <a:r>
-              <a:rPr lang="en-US" sz="1050" b="1" dirty="0" smtClean="0">
-                <a:solidFill>
-                  <a:schemeClr val="accent6">
-                    <a:lumMod val="75000"/>
-                  </a:schemeClr>
-                </a:solidFill>
-              </a:rPr>
-              <a:t/>
-            </a:r>
-            <a:br>
-              <a:rPr lang="en-US" sz="1050" b="1" dirty="0" smtClean="0">
-                <a:solidFill>
-                  <a:schemeClr val="accent6">
-                    <a:lumMod val="75000"/>
-                  </a:schemeClr>
-                </a:solidFill>
-              </a:rPr>
-            </a:br>
-            <a:r>
-              <a:rPr lang="en-US" sz="1050" b="1" dirty="0" smtClean="0">
-                <a:solidFill>
-                  <a:schemeClr val="accent6">
-                    <a:lumMod val="75000"/>
-                  </a:schemeClr>
-                </a:solidFill>
-              </a:rPr>
-              <a:t>Storage</a:t>
-            </a:r>
-            <a:endParaRPr lang="en-SG" sz="1050" b="1" dirty="0">
-              <a:solidFill>
-                <a:schemeClr val="accent6">
-                  <a:lumMod val="75000"/>
-                </a:schemeClr>
-              </a:solidFill>
-            </a:endParaRPr>
-          </a:p>
-        </p:txBody>
-      </p:sp>
-      <p:sp>
-        <p:nvSpPr>
-          <p:cNvPr id="52" name="Rectangle 8"/>
-          <p:cNvSpPr/>
-          <p:nvPr/>
-        </p:nvSpPr>
-        <p:spPr>
-          <a:xfrm>
-            <a:off x="2873943" y="2558040"/>
-            <a:ext cx="1323049" cy="346760"/>
+            <a:off x="2285054" y="5190568"/>
+            <a:ext cx="1323049" cy="435425"/>
           </a:xfrm>
           <a:prstGeom prst="rect">
             <a:avLst/>
@@ -4243,7 +5364,7 @@
           <a:p>
             <a:pPr algn="ctr"/>
             <a:r>
-              <a:rPr lang="en-US" sz="1050" dirty="0" smtClean="0">
+              <a:rPr lang="en-US" sz="1050" dirty="0">
                 <a:solidFill>
                   <a:schemeClr val="bg1"/>
                 </a:solidFill>
@@ -4251,19 +5372,19 @@
               <a:t>&lt;&lt;interface&gt;&gt;</a:t>
             </a:r>
             <a:br>
-              <a:rPr lang="en-US" sz="1050" dirty="0" smtClean="0">
+              <a:rPr lang="en-US" sz="1050" dirty="0">
                 <a:solidFill>
                   <a:schemeClr val="bg1"/>
                 </a:solidFill>
               </a:rPr>
             </a:br>
             <a:r>
-              <a:rPr lang="en-US" sz="1050" dirty="0" err="1" smtClean="0">
+              <a:rPr lang="en-US" sz="1050" dirty="0" err="1">
                 <a:solidFill>
                   <a:schemeClr val="bg1"/>
                 </a:solidFill>
               </a:rPr>
-              <a:t>UserPrefsStorage</a:t>
+              <a:t>UserStorage</a:t>
             </a:r>
             <a:endParaRPr lang="en-SG" sz="1050" dirty="0">
               <a:solidFill>
@@ -4275,17 +5396,24 @@
       </p:sp>
       <p:cxnSp>
         <p:nvCxnSpPr>
-          <p:cNvPr id="54" name="Straight Arrow Connector 53"/>
+          <p:cNvPr id="63" name="Straight Arrow Connector 62">
+            <a:extLst>
+              <a:ext uri="{FF2B5EF4-FFF2-40B4-BE49-F238E27FC236}">
+                <a16:creationId xmlns:a16="http://schemas.microsoft.com/office/drawing/2014/main" id="{55DC59C8-4FA4-4B70-BFCF-2A2345D5D9C7}"/>
+              </a:ext>
+            </a:extLst>
+          </p:cNvPr>
           <p:cNvCxnSpPr>
-            <a:stCxn id="56" idx="3"/>
-            <a:endCxn id="52" idx="1"/>
+            <a:cxnSpLocks/>
+            <a:stCxn id="64" idx="3"/>
+            <a:endCxn id="62" idx="1"/>
           </p:cNvCxnSpPr>
           <p:nvPr/>
         </p:nvCxnSpPr>
         <p:spPr>
           <a:xfrm>
-            <a:off x="2653133" y="2726136"/>
-            <a:ext cx="220810" cy="5284"/>
+            <a:off x="2048782" y="5407750"/>
+            <a:ext cx="236272" cy="531"/>
           </a:xfrm>
           <a:prstGeom prst="straightConnector1">
             <a:avLst/>
@@ -4318,13 +5446,19 @@
       </p:cxnSp>
       <p:sp>
         <p:nvSpPr>
-          <p:cNvPr id="56" name="Flowchart: Decision 96"/>
+          <p:cNvPr id="64" name="Flowchart: Decision 96">
+            <a:extLst>
+              <a:ext uri="{FF2B5EF4-FFF2-40B4-BE49-F238E27FC236}">
+                <a16:creationId xmlns:a16="http://schemas.microsoft.com/office/drawing/2014/main" id="{9D4C36CB-3D6F-4C73-9D40-91CA9E3B00B2}"/>
+              </a:ext>
+            </a:extLst>
+          </p:cNvPr>
           <p:cNvSpPr/>
           <p:nvPr/>
         </p:nvSpPr>
         <p:spPr>
           <a:xfrm>
-            <a:off x="2417085" y="2639446"/>
+            <a:off x="1812734" y="5321060"/>
             <a:ext cx="236048" cy="173380"/>
           </a:xfrm>
           <a:prstGeom prst="flowChartDecision">
@@ -4367,19 +5501,364 @@
           </a:p>
         </p:txBody>
       </p:sp>
+      <p:sp>
+        <p:nvSpPr>
+          <p:cNvPr id="67" name="Isosceles Triangle 102">
+            <a:extLst>
+              <a:ext uri="{FF2B5EF4-FFF2-40B4-BE49-F238E27FC236}">
+                <a16:creationId xmlns:a16="http://schemas.microsoft.com/office/drawing/2014/main" id="{CD4820F4-7047-46CB-AFBF-1A825A68D9BB}"/>
+              </a:ext>
+            </a:extLst>
+          </p:cNvPr>
+          <p:cNvSpPr/>
+          <p:nvPr/>
+        </p:nvSpPr>
+        <p:spPr>
+          <a:xfrm rot="5400000" flipV="1">
+            <a:off x="3580788" y="5313119"/>
+            <a:ext cx="270504" cy="175523"/>
+          </a:xfrm>
+          <a:prstGeom prst="triangle">
+            <a:avLst/>
+          </a:prstGeom>
+          <a:solidFill>
+            <a:schemeClr val="accent6">
+              <a:lumMod val="75000"/>
+            </a:schemeClr>
+          </a:solidFill>
+          <a:ln w="19050">
+            <a:solidFill>
+              <a:schemeClr val="accent6">
+                <a:lumMod val="75000"/>
+              </a:schemeClr>
+            </a:solidFill>
+          </a:ln>
+          <a:effectLst/>
+        </p:spPr>
+        <p:style>
+          <a:lnRef idx="1">
+            <a:schemeClr val="accent2"/>
+          </a:lnRef>
+          <a:fillRef idx="2">
+            <a:schemeClr val="accent2"/>
+          </a:fillRef>
+          <a:effectRef idx="1">
+            <a:schemeClr val="accent2"/>
+          </a:effectRef>
+          <a:fontRef idx="minor">
+            <a:schemeClr val="dk1"/>
+          </a:fontRef>
+        </p:style>
+        <p:txBody>
+          <a:bodyPr rtlCol="0" anchor="ctr"/>
+          <a:lstStyle/>
+          <a:p>
+            <a:pPr algn="ctr"/>
+            <a:endParaRPr lang="en-SG" sz="1050">
+              <a:solidFill>
+                <a:schemeClr val="bg1"/>
+              </a:solidFill>
+            </a:endParaRPr>
+          </a:p>
+        </p:txBody>
+      </p:sp>
       <p:cxnSp>
         <p:nvCxnSpPr>
-          <p:cNvPr id="60" name="Elbow Connector 63"/>
+          <p:cNvPr id="68" name="Elbow Connector 122">
+            <a:extLst>
+              <a:ext uri="{FF2B5EF4-FFF2-40B4-BE49-F238E27FC236}">
+                <a16:creationId xmlns:a16="http://schemas.microsoft.com/office/drawing/2014/main" id="{1719D775-8649-4DC1-8622-2CE4550A81C2}"/>
+              </a:ext>
+            </a:extLst>
+          </p:cNvPr>
           <p:cNvCxnSpPr>
-            <a:stCxn id="61" idx="3"/>
-            <a:endCxn id="65" idx="1"/>
+            <a:cxnSpLocks/>
+            <a:stCxn id="69" idx="3"/>
+            <a:endCxn id="71" idx="1"/>
           </p:cNvCxnSpPr>
           <p:nvPr/>
         </p:nvCxnSpPr>
         <p:spPr>
           <a:xfrm flipV="1">
-            <a:off x="4394804" y="2731420"/>
-            <a:ext cx="223324" cy="1"/>
+            <a:off x="5349051" y="5400507"/>
+            <a:ext cx="173315" cy="373"/>
+          </a:xfrm>
+          <a:prstGeom prst="bentConnector3">
+            <a:avLst>
+              <a:gd name="adj1" fmla="val 50000"/>
+            </a:avLst>
+          </a:prstGeom>
+          <a:ln w="19050">
+            <a:solidFill>
+              <a:schemeClr val="accent6">
+                <a:lumMod val="75000"/>
+              </a:schemeClr>
+            </a:solidFill>
+            <a:prstDash val="sysDot"/>
+            <a:headEnd type="none" w="med" len="med"/>
+            <a:tailEnd type="arrow" w="med" len="med"/>
+          </a:ln>
+          <a:effectLst/>
+        </p:spPr>
+        <p:style>
+          <a:lnRef idx="1">
+            <a:schemeClr val="accent2"/>
+          </a:lnRef>
+          <a:fillRef idx="2">
+            <a:schemeClr val="accent2"/>
+          </a:fillRef>
+          <a:effectRef idx="1">
+            <a:schemeClr val="accent2"/>
+          </a:effectRef>
+          <a:fontRef idx="minor">
+            <a:schemeClr val="dk1"/>
+          </a:fontRef>
+        </p:style>
+      </p:cxnSp>
+      <p:sp>
+        <p:nvSpPr>
+          <p:cNvPr id="69" name="Rectangle 8">
+            <a:extLst>
+              <a:ext uri="{FF2B5EF4-FFF2-40B4-BE49-F238E27FC236}">
+                <a16:creationId xmlns:a16="http://schemas.microsoft.com/office/drawing/2014/main" id="{D53C2EEB-7CFB-488D-B9EA-F5E1235B3687}"/>
+              </a:ext>
+            </a:extLst>
+          </p:cNvPr>
+          <p:cNvSpPr/>
+          <p:nvPr/>
+        </p:nvSpPr>
+        <p:spPr>
+          <a:xfrm>
+            <a:off x="4026002" y="5227500"/>
+            <a:ext cx="1323049" cy="346760"/>
+          </a:xfrm>
+          <a:prstGeom prst="rect">
+            <a:avLst/>
+          </a:prstGeom>
+          <a:ln w="19050"/>
+          <a:effectLst/>
+        </p:spPr>
+        <p:style>
+          <a:lnRef idx="1">
+            <a:schemeClr val="accent6"/>
+          </a:lnRef>
+          <a:fillRef idx="2">
+            <a:schemeClr val="accent6"/>
+          </a:fillRef>
+          <a:effectRef idx="1">
+            <a:schemeClr val="accent6"/>
+          </a:effectRef>
+          <a:fontRef idx="minor">
+            <a:schemeClr val="dk1"/>
+          </a:fontRef>
+        </p:style>
+        <p:txBody>
+          <a:bodyPr rtlCol="0" anchor="ctr"/>
+          <a:lstStyle/>
+          <a:p>
+            <a:pPr algn="ctr"/>
+            <a:r>
+              <a:rPr lang="en-US" sz="1050" b="1" dirty="0" err="1">
+                <a:solidFill>
+                  <a:schemeClr val="accent6">
+                    <a:lumMod val="75000"/>
+                  </a:schemeClr>
+                </a:solidFill>
+              </a:rPr>
+              <a:t>XmlUserStorage</a:t>
+            </a:r>
+            <a:endParaRPr lang="en-SG" sz="1050" b="1" dirty="0">
+              <a:solidFill>
+                <a:schemeClr val="accent6">
+                  <a:lumMod val="75000"/>
+                </a:schemeClr>
+              </a:solidFill>
+            </a:endParaRPr>
+          </a:p>
+        </p:txBody>
+      </p:sp>
+      <p:sp>
+        <p:nvSpPr>
+          <p:cNvPr id="71" name="Rectangle 8">
+            <a:extLst>
+              <a:ext uri="{FF2B5EF4-FFF2-40B4-BE49-F238E27FC236}">
+                <a16:creationId xmlns:a16="http://schemas.microsoft.com/office/drawing/2014/main" id="{FD1F3702-8186-4704-9B70-D64770320AB1}"/>
+              </a:ext>
+            </a:extLst>
+          </p:cNvPr>
+          <p:cNvSpPr/>
+          <p:nvPr/>
+        </p:nvSpPr>
+        <p:spPr>
+          <a:xfrm>
+            <a:off x="5522366" y="5227127"/>
+            <a:ext cx="1200707" cy="346760"/>
+          </a:xfrm>
+          <a:prstGeom prst="rect">
+            <a:avLst/>
+          </a:prstGeom>
+          <a:ln w="19050"/>
+          <a:effectLst/>
+        </p:spPr>
+        <p:style>
+          <a:lnRef idx="1">
+            <a:schemeClr val="accent6"/>
+          </a:lnRef>
+          <a:fillRef idx="2">
+            <a:schemeClr val="accent6"/>
+          </a:fillRef>
+          <a:effectRef idx="1">
+            <a:schemeClr val="accent6"/>
+          </a:effectRef>
+          <a:fontRef idx="minor">
+            <a:schemeClr val="dk1"/>
+          </a:fontRef>
+        </p:style>
+        <p:txBody>
+          <a:bodyPr rtlCol="0" anchor="ctr"/>
+          <a:lstStyle/>
+          <a:p>
+            <a:pPr algn="ctr"/>
+            <a:r>
+              <a:rPr lang="en-US" sz="1050" b="1" dirty="0" err="1">
+                <a:solidFill>
+                  <a:schemeClr val="accent6">
+                    <a:lumMod val="75000"/>
+                  </a:schemeClr>
+                </a:solidFill>
+              </a:rPr>
+              <a:t>XmlSerializable</a:t>
+            </a:r>
+            <a:br>
+              <a:rPr lang="en-US" sz="1050" b="1" dirty="0">
+                <a:solidFill>
+                  <a:schemeClr val="accent6">
+                    <a:lumMod val="75000"/>
+                  </a:schemeClr>
+                </a:solidFill>
+              </a:rPr>
+            </a:br>
+            <a:r>
+              <a:rPr lang="en-US" sz="1050" b="1" dirty="0">
+                <a:solidFill>
+                  <a:schemeClr val="accent6">
+                    <a:lumMod val="75000"/>
+                  </a:schemeClr>
+                </a:solidFill>
+              </a:rPr>
+              <a:t>User</a:t>
+            </a:r>
+            <a:endParaRPr lang="en-SG" sz="1050" b="1" dirty="0">
+              <a:solidFill>
+                <a:schemeClr val="accent6">
+                  <a:lumMod val="75000"/>
+                </a:schemeClr>
+              </a:solidFill>
+            </a:endParaRPr>
+          </a:p>
+        </p:txBody>
+      </p:sp>
+      <p:sp>
+        <p:nvSpPr>
+          <p:cNvPr id="72" name="Rectangle 8">
+            <a:extLst>
+              <a:ext uri="{FF2B5EF4-FFF2-40B4-BE49-F238E27FC236}">
+                <a16:creationId xmlns:a16="http://schemas.microsoft.com/office/drawing/2014/main" id="{8ECA9967-8B6C-493C-8538-4422753384B0}"/>
+              </a:ext>
+            </a:extLst>
+          </p:cNvPr>
+          <p:cNvSpPr/>
+          <p:nvPr/>
+        </p:nvSpPr>
+        <p:spPr>
+          <a:xfrm>
+            <a:off x="7023612" y="5227831"/>
+            <a:ext cx="1259718" cy="346760"/>
+          </a:xfrm>
+          <a:prstGeom prst="rect">
+            <a:avLst/>
+          </a:prstGeom>
+          <a:ln w="19050"/>
+          <a:effectLst/>
+        </p:spPr>
+        <p:style>
+          <a:lnRef idx="1">
+            <a:schemeClr val="accent6"/>
+          </a:lnRef>
+          <a:fillRef idx="2">
+            <a:schemeClr val="accent6"/>
+          </a:fillRef>
+          <a:effectRef idx="1">
+            <a:schemeClr val="accent6"/>
+          </a:effectRef>
+          <a:fontRef idx="minor">
+            <a:schemeClr val="dk1"/>
+          </a:fontRef>
+        </p:style>
+        <p:txBody>
+          <a:bodyPr rtlCol="0" anchor="ctr"/>
+          <a:lstStyle/>
+          <a:p>
+            <a:pPr algn="ctr"/>
+            <a:r>
+              <a:rPr lang="en-US" sz="1050" b="1" dirty="0" err="1">
+                <a:solidFill>
+                  <a:schemeClr val="accent6">
+                    <a:lumMod val="75000"/>
+                  </a:schemeClr>
+                </a:solidFill>
+              </a:rPr>
+              <a:t>XmlAdapted</a:t>
+            </a:r>
+            <a:br>
+              <a:rPr lang="en-US" sz="1050" b="1" dirty="0">
+                <a:solidFill>
+                  <a:schemeClr val="accent6">
+                    <a:lumMod val="75000"/>
+                  </a:schemeClr>
+                </a:solidFill>
+              </a:rPr>
+            </a:br>
+            <a:r>
+              <a:rPr lang="en-US" sz="1050" b="1" dirty="0">
+                <a:solidFill>
+                  <a:schemeClr val="accent6">
+                    <a:lumMod val="75000"/>
+                  </a:schemeClr>
+                </a:solidFill>
+              </a:rPr>
+              <a:t>User</a:t>
+            </a:r>
+            <a:endParaRPr lang="en-SG" sz="1050" b="1" dirty="0">
+              <a:solidFill>
+                <a:schemeClr val="accent6">
+                  <a:lumMod val="75000"/>
+                </a:schemeClr>
+              </a:solidFill>
+            </a:endParaRPr>
+          </a:p>
+        </p:txBody>
+      </p:sp>
+      <p:cxnSp>
+        <p:nvCxnSpPr>
+          <p:cNvPr id="76" name="Elbow Connector 63">
+            <a:extLst>
+              <a:ext uri="{FF2B5EF4-FFF2-40B4-BE49-F238E27FC236}">
+                <a16:creationId xmlns:a16="http://schemas.microsoft.com/office/drawing/2014/main" id="{FC5963DC-7EE6-4E47-ABCF-9B285F45E994}"/>
+              </a:ext>
+            </a:extLst>
+          </p:cNvPr>
+          <p:cNvCxnSpPr>
+            <a:cxnSpLocks/>
+            <a:stCxn id="67" idx="3"/>
+            <a:endCxn id="69" idx="1"/>
+          </p:cNvCxnSpPr>
+          <p:nvPr/>
+        </p:nvCxnSpPr>
+        <p:spPr>
+          <a:xfrm flipV="1">
+            <a:off x="3803802" y="5400880"/>
+            <a:ext cx="222200" cy="1"/>
           </a:xfrm>
           <a:prstGeom prst="bentConnector3">
             <a:avLst>
@@ -4413,71 +5892,114 @@
           </a:fontRef>
         </p:style>
       </p:cxnSp>
-      <p:sp>
-        <p:nvSpPr>
-          <p:cNvPr id="61" name="Isosceles Triangle 102"/>
-          <p:cNvSpPr/>
+      <p:cxnSp>
+        <p:nvCxnSpPr>
+          <p:cNvPr id="78" name="Elbow Connector 122">
+            <a:extLst>
+              <a:ext uri="{FF2B5EF4-FFF2-40B4-BE49-F238E27FC236}">
+                <a16:creationId xmlns:a16="http://schemas.microsoft.com/office/drawing/2014/main" id="{FC440138-DF0E-4625-B272-8635A2D66DF1}"/>
+              </a:ext>
+            </a:extLst>
+          </p:cNvPr>
+          <p:cNvCxnSpPr>
+            <a:cxnSpLocks/>
+            <a:stCxn id="71" idx="3"/>
+            <a:endCxn id="72" idx="1"/>
+          </p:cNvCxnSpPr>
           <p:nvPr/>
-        </p:nvSpPr>
-        <p:spPr>
-          <a:xfrm rot="5400000" flipV="1">
-            <a:off x="4171790" y="2643659"/>
-            <a:ext cx="270504" cy="175523"/>
-          </a:xfrm>
-          <a:prstGeom prst="triangle">
-            <a:avLst/>
+        </p:nvCxnSpPr>
+        <p:spPr>
+          <a:xfrm>
+            <a:off x="6723073" y="5400507"/>
+            <a:ext cx="300539" cy="704"/>
+          </a:xfrm>
+          <a:prstGeom prst="bentConnector3">
+            <a:avLst>
+              <a:gd name="adj1" fmla="val 50000"/>
+            </a:avLst>
           </a:prstGeom>
-          <a:solidFill>
-            <a:schemeClr val="accent6">
-              <a:lumMod val="75000"/>
-            </a:schemeClr>
-          </a:solidFill>
           <a:ln w="19050">
-            <a:solidFill>
-              <a:schemeClr val="accent6">
-                <a:lumMod val="75000"/>
-              </a:schemeClr>
-            </a:solidFill>
+            <a:prstDash val="sysDot"/>
+            <a:headEnd type="none" w="med" len="med"/>
+            <a:tailEnd type="arrow" w="med" len="med"/>
           </a:ln>
           <a:effectLst/>
         </p:spPr>
         <p:style>
           <a:lnRef idx="1">
-            <a:schemeClr val="accent2"/>
+            <a:schemeClr val="accent6"/>
           </a:lnRef>
           <a:fillRef idx="2">
-            <a:schemeClr val="accent2"/>
+            <a:schemeClr val="accent6"/>
           </a:fillRef>
           <a:effectRef idx="1">
-            <a:schemeClr val="accent2"/>
+            <a:schemeClr val="accent6"/>
           </a:effectRef>
           <a:fontRef idx="minor">
             <a:schemeClr val="dk1"/>
           </a:fontRef>
         </p:style>
-        <p:txBody>
-          <a:bodyPr rtlCol="0" anchor="ctr"/>
-          <a:lstStyle/>
-          <a:p>
-            <a:pPr algn="ctr"/>
-            <a:endParaRPr lang="en-SG" sz="1050">
-              <a:solidFill>
-                <a:schemeClr val="bg1"/>
-              </a:solidFill>
-            </a:endParaRPr>
-          </a:p>
-        </p:txBody>
-      </p:sp>
-      <p:sp>
-        <p:nvSpPr>
-          <p:cNvPr id="65" name="Rectangle 8"/>
+      </p:cxnSp>
+      <p:cxnSp>
+        <p:nvCxnSpPr>
+          <p:cNvPr id="79" name="Elbow Connector 122">
+            <a:extLst>
+              <a:ext uri="{FF2B5EF4-FFF2-40B4-BE49-F238E27FC236}">
+                <a16:creationId xmlns:a16="http://schemas.microsoft.com/office/drawing/2014/main" id="{BB82CA72-987A-474E-A3BC-754AAAE05E28}"/>
+              </a:ext>
+            </a:extLst>
+          </p:cNvPr>
+          <p:cNvCxnSpPr/>
+          <p:nvPr/>
+        </p:nvCxnSpPr>
+        <p:spPr>
+          <a:xfrm>
+            <a:off x="6728734" y="3877703"/>
+            <a:ext cx="300539" cy="704"/>
+          </a:xfrm>
+          <a:prstGeom prst="bentConnector3">
+            <a:avLst>
+              <a:gd name="adj1" fmla="val 50000"/>
+            </a:avLst>
+          </a:prstGeom>
+          <a:ln w="19050">
+            <a:prstDash val="sysDot"/>
+            <a:headEnd type="none" w="med" len="med"/>
+            <a:tailEnd type="arrow" w="med" len="med"/>
+          </a:ln>
+          <a:effectLst/>
+        </p:spPr>
+        <p:style>
+          <a:lnRef idx="1">
+            <a:schemeClr val="accent6"/>
+          </a:lnRef>
+          <a:fillRef idx="2">
+            <a:schemeClr val="accent6"/>
+          </a:fillRef>
+          <a:effectRef idx="1">
+            <a:schemeClr val="accent6"/>
+          </a:effectRef>
+          <a:fontRef idx="minor">
+            <a:schemeClr val="dk1"/>
+          </a:fontRef>
+        </p:style>
+      </p:cxnSp>
+      <p:sp>
+        <p:nvSpPr>
+          <p:cNvPr id="80" name="Rectangle 8">
+            <a:extLst>
+              <a:ext uri="{FF2B5EF4-FFF2-40B4-BE49-F238E27FC236}">
+                <a16:creationId xmlns:a16="http://schemas.microsoft.com/office/drawing/2014/main" id="{ADC2B076-E8A4-452D-B226-8A60CE4B61B7}"/>
+              </a:ext>
+            </a:extLst>
+          </p:cNvPr>
           <p:cNvSpPr/>
           <p:nvPr/>
         </p:nvSpPr>
         <p:spPr>
           <a:xfrm>
-            <a:off x="4618128" y="2558040"/>
-            <a:ext cx="1093635" cy="346760"/>
+            <a:off x="2269109" y="3631609"/>
+            <a:ext cx="1323049" cy="435425"/>
           </a:xfrm>
           <a:prstGeom prst="rect">
             <a:avLst/>
@@ -4516,30 +6038,37 @@
           <a:p>
             <a:pPr algn="ctr"/>
             <a:r>
-              <a:rPr lang="en-US" sz="1050" dirty="0" err="1" smtClean="0">
+              <a:rPr lang="en-US" sz="1050" dirty="0">
                 <a:solidFill>
                   <a:schemeClr val="bg1"/>
                 </a:solidFill>
               </a:rPr>
-              <a:t>JsonUserPrefs</a:t>
-            </a:r>
-            <a:r>
-              <a:rPr lang="en-US" sz="1050" dirty="0" smtClean="0">
-                <a:solidFill>
-                  <a:schemeClr val="bg1"/>
-                </a:solidFill>
-              </a:rPr>
-              <a:t/>
+              <a:t>&lt;&lt;interface&gt;&gt;</a:t>
             </a:r>
             <a:br>
-              <a:rPr lang="en-US" sz="1050" dirty="0" smtClean="0">
+              <a:rPr lang="en-US" sz="1050" dirty="0">
                 <a:solidFill>
                   <a:schemeClr val="bg1"/>
                 </a:solidFill>
               </a:rPr>
             </a:br>
             <a:r>
-              <a:rPr lang="en-US" sz="1050" dirty="0" smtClean="0">
+              <a:rPr lang="en-US" sz="1050" dirty="0" err="1">
+                <a:solidFill>
+                  <a:schemeClr val="bg1"/>
+                </a:solidFill>
+              </a:rPr>
+              <a:t>ModuleList</a:t>
+            </a:r>
+            <a:br>
+              <a:rPr lang="en-US" sz="1050" dirty="0">
+                <a:solidFill>
+                  <a:schemeClr val="bg1"/>
+                </a:solidFill>
+              </a:rPr>
+            </a:br>
+            <a:r>
+              <a:rPr lang="en-US" sz="1050" dirty="0">
                 <a:solidFill>
                   <a:schemeClr val="bg1"/>
                 </a:solidFill>
@@ -4556,14 +6085,20 @@
       </p:sp>
       <p:sp>
         <p:nvSpPr>
-          <p:cNvPr id="66" name="Rectangle 8"/>
+          <p:cNvPr id="81" name="Rectangle 8">
+            <a:extLst>
+              <a:ext uri="{FF2B5EF4-FFF2-40B4-BE49-F238E27FC236}">
+                <a16:creationId xmlns:a16="http://schemas.microsoft.com/office/drawing/2014/main" id="{6F396EA4-234B-4D2E-89EE-F905FF54251D}"/>
+              </a:ext>
+            </a:extLst>
+          </p:cNvPr>
           <p:cNvSpPr/>
           <p:nvPr/>
         </p:nvSpPr>
         <p:spPr>
           <a:xfrm>
-            <a:off x="6019800" y="3160410"/>
-            <a:ext cx="1200707" cy="346760"/>
+            <a:off x="7137656" y="3155075"/>
+            <a:ext cx="1044330" cy="346760"/>
           </a:xfrm>
           <a:prstGeom prst="rect">
             <a:avLst/>
@@ -4591,43 +6126,33 @@
           <a:p>
             <a:pPr algn="ctr"/>
             <a:r>
-              <a:rPr lang="en-US" sz="1050" b="1" dirty="0" err="1" smtClean="0">
+              <a:rPr lang="en-US" sz="1050" b="1" dirty="0" err="1">
                 <a:solidFill>
                   <a:schemeClr val="accent6">
                     <a:lumMod val="75000"/>
                   </a:schemeClr>
                 </a:solidFill>
               </a:rPr>
-              <a:t>XmlSerializable</a:t>
-            </a:r>
-            <a:r>
-              <a:rPr lang="en-US" sz="1050" b="1" dirty="0" smtClean="0">
+              <a:t>XmlAdapted</a:t>
+            </a:r>
+            <a:br>
+              <a:rPr lang="en-US" sz="1050" b="1" dirty="0">
                 <a:solidFill>
                   <a:schemeClr val="accent6">
                     <a:lumMod val="75000"/>
                   </a:schemeClr>
                 </a:solidFill>
               </a:rPr>
-              <a:t/>
-            </a:r>
-            <a:br>
-              <a:rPr lang="en-US" sz="1050" b="1" dirty="0" smtClean="0">
+            </a:br>
+            <a:r>
+              <a:rPr lang="en-US" sz="1050" b="1" dirty="0" err="1">
                 <a:solidFill>
                   <a:schemeClr val="accent6">
                     <a:lumMod val="75000"/>
                   </a:schemeClr>
                 </a:solidFill>
               </a:rPr>
-            </a:br>
-            <a:r>
-              <a:rPr lang="en-US" sz="1050" b="1" dirty="0" err="1" smtClean="0">
-                <a:solidFill>
-                  <a:schemeClr val="accent6">
-                    <a:lumMod val="75000"/>
-                  </a:schemeClr>
-                </a:solidFill>
-              </a:rPr>
-              <a:t>AddressBook</a:t>
+              <a:t>Prereq</a:t>
             </a:r>
             <a:endParaRPr lang="en-SG" sz="1050" b="1" dirty="0">
               <a:solidFill>
@@ -4639,19 +6164,188 @@
           </a:p>
         </p:txBody>
       </p:sp>
+      <p:sp>
+        <p:nvSpPr>
+          <p:cNvPr id="82" name="Rectangle 8">
+            <a:extLst>
+              <a:ext uri="{FF2B5EF4-FFF2-40B4-BE49-F238E27FC236}">
+                <a16:creationId xmlns:a16="http://schemas.microsoft.com/office/drawing/2014/main" id="{B3FA81F2-DAAC-4111-A27D-B2CE03B2989E}"/>
+              </a:ext>
+            </a:extLst>
+          </p:cNvPr>
+          <p:cNvSpPr/>
+          <p:nvPr/>
+        </p:nvSpPr>
+        <p:spPr>
+          <a:xfrm>
+            <a:off x="6694406" y="2438400"/>
+            <a:ext cx="873800" cy="435762"/>
+          </a:xfrm>
+          <a:prstGeom prst="rect">
+            <a:avLst/>
+          </a:prstGeom>
+          <a:ln w="19050"/>
+          <a:effectLst/>
+        </p:spPr>
+        <p:style>
+          <a:lnRef idx="1">
+            <a:schemeClr val="accent6"/>
+          </a:lnRef>
+          <a:fillRef idx="2">
+            <a:schemeClr val="accent6"/>
+          </a:fillRef>
+          <a:effectRef idx="1">
+            <a:schemeClr val="accent6"/>
+          </a:effectRef>
+          <a:fontRef idx="minor">
+            <a:schemeClr val="dk1"/>
+          </a:fontRef>
+        </p:style>
+        <p:txBody>
+          <a:bodyPr rtlCol="0" anchor="ctr"/>
+          <a:lstStyle/>
+          <a:p>
+            <a:pPr algn="ctr"/>
+            <a:r>
+              <a:rPr lang="en-US" sz="1050" b="1" dirty="0" err="1">
+                <a:solidFill>
+                  <a:schemeClr val="accent6">
+                    <a:lumMod val="75000"/>
+                  </a:schemeClr>
+                </a:solidFill>
+              </a:rPr>
+              <a:t>XmlAdapted</a:t>
+            </a:r>
+            <a:br>
+              <a:rPr lang="en-US" sz="1050" b="1" dirty="0">
+                <a:solidFill>
+                  <a:schemeClr val="accent6">
+                    <a:lumMod val="75000"/>
+                  </a:schemeClr>
+                </a:solidFill>
+              </a:rPr>
+            </a:br>
+            <a:r>
+              <a:rPr lang="en-US" sz="1050" b="1" dirty="0">
+                <a:solidFill>
+                  <a:schemeClr val="accent6">
+                    <a:lumMod val="75000"/>
+                  </a:schemeClr>
+                </a:solidFill>
+              </a:rPr>
+              <a:t>And</a:t>
+            </a:r>
+            <a:endParaRPr lang="en-SG" sz="1050" b="1" dirty="0">
+              <a:solidFill>
+                <a:schemeClr val="accent6">
+                  <a:lumMod val="75000"/>
+                </a:schemeClr>
+              </a:solidFill>
+            </a:endParaRPr>
+          </a:p>
+        </p:txBody>
+      </p:sp>
+      <p:sp>
+        <p:nvSpPr>
+          <p:cNvPr id="84" name="Rectangle 8">
+            <a:extLst>
+              <a:ext uri="{FF2B5EF4-FFF2-40B4-BE49-F238E27FC236}">
+                <a16:creationId xmlns:a16="http://schemas.microsoft.com/office/drawing/2014/main" id="{58FE9EB7-987C-4730-9363-91D341CFF602}"/>
+              </a:ext>
+            </a:extLst>
+          </p:cNvPr>
+          <p:cNvSpPr/>
+          <p:nvPr/>
+        </p:nvSpPr>
+        <p:spPr>
+          <a:xfrm>
+            <a:off x="7736800" y="2438400"/>
+            <a:ext cx="873800" cy="435762"/>
+          </a:xfrm>
+          <a:prstGeom prst="rect">
+            <a:avLst/>
+          </a:prstGeom>
+          <a:ln w="19050"/>
+          <a:effectLst/>
+        </p:spPr>
+        <p:style>
+          <a:lnRef idx="1">
+            <a:schemeClr val="accent6"/>
+          </a:lnRef>
+          <a:fillRef idx="2">
+            <a:schemeClr val="accent6"/>
+          </a:fillRef>
+          <a:effectRef idx="1">
+            <a:schemeClr val="accent6"/>
+          </a:effectRef>
+          <a:fontRef idx="minor">
+            <a:schemeClr val="dk1"/>
+          </a:fontRef>
+        </p:style>
+        <p:txBody>
+          <a:bodyPr rtlCol="0" anchor="ctr"/>
+          <a:lstStyle/>
+          <a:p>
+            <a:pPr algn="ctr"/>
+            <a:r>
+              <a:rPr lang="en-US" sz="1050" b="1" dirty="0" err="1">
+                <a:solidFill>
+                  <a:schemeClr val="accent6">
+                    <a:lumMod val="75000"/>
+                  </a:schemeClr>
+                </a:solidFill>
+              </a:rPr>
+              <a:t>XmlAdapted</a:t>
+            </a:r>
+            <a:br>
+              <a:rPr lang="en-US" sz="1050" b="1" dirty="0">
+                <a:solidFill>
+                  <a:schemeClr val="accent6">
+                    <a:lumMod val="75000"/>
+                  </a:schemeClr>
+                </a:solidFill>
+              </a:rPr>
+            </a:br>
+            <a:r>
+              <a:rPr lang="en-US" sz="1050" b="1" dirty="0">
+                <a:solidFill>
+                  <a:schemeClr val="accent6">
+                    <a:lumMod val="75000"/>
+                  </a:schemeClr>
+                </a:solidFill>
+              </a:rPr>
+              <a:t>Or</a:t>
+            </a:r>
+            <a:endParaRPr lang="en-SG" sz="1050" b="1" dirty="0">
+              <a:solidFill>
+                <a:schemeClr val="accent6">
+                  <a:lumMod val="75000"/>
+                </a:schemeClr>
+              </a:solidFill>
+            </a:endParaRPr>
+          </a:p>
+        </p:txBody>
+      </p:sp>
       <p:cxnSp>
         <p:nvCxnSpPr>
-          <p:cNvPr id="70" name="Elbow Connector 122"/>
+          <p:cNvPr id="85" name="Elbow Connector 122">
+            <a:extLst>
+              <a:ext uri="{FF2B5EF4-FFF2-40B4-BE49-F238E27FC236}">
+                <a16:creationId xmlns:a16="http://schemas.microsoft.com/office/drawing/2014/main" id="{FA876D67-1642-4D89-8C21-F74609D62361}"/>
+              </a:ext>
+            </a:extLst>
+          </p:cNvPr>
           <p:cNvCxnSpPr>
-            <a:stCxn id="74" idx="0"/>
-            <a:endCxn id="73" idx="2"/>
+            <a:cxnSpLocks/>
+            <a:stCxn id="41" idx="0"/>
+            <a:endCxn id="81" idx="2"/>
           </p:cNvCxnSpPr>
           <p:nvPr/>
         </p:nvCxnSpPr>
         <p:spPr>
           <a:xfrm rot="5400000" flipH="1" flipV="1">
-            <a:off x="8077993" y="2992020"/>
-            <a:ext cx="335208" cy="12700"/>
+            <a:off x="7560383" y="3600585"/>
+            <a:ext cx="198187" cy="689"/>
           </a:xfrm>
           <a:prstGeom prst="bentConnector3">
             <a:avLst>
@@ -4680,21 +6374,34 @@
           </a:fontRef>
         </p:style>
       </p:cxnSp>
-      <p:sp>
-        <p:nvSpPr>
-          <p:cNvPr id="73" name="Rectangle 8"/>
-          <p:cNvSpPr/>
+      <p:cxnSp>
+        <p:nvCxnSpPr>
+          <p:cNvPr id="88" name="Elbow Connector 122">
+            <a:extLst>
+              <a:ext uri="{FF2B5EF4-FFF2-40B4-BE49-F238E27FC236}">
+                <a16:creationId xmlns:a16="http://schemas.microsoft.com/office/drawing/2014/main" id="{6373FC7E-D1F6-42A5-A5AE-EFDA9F96AB5B}"/>
+              </a:ext>
+            </a:extLst>
+          </p:cNvPr>
+          <p:cNvCxnSpPr>
+            <a:cxnSpLocks/>
+            <a:stCxn id="81" idx="1"/>
+          </p:cNvCxnSpPr>
           <p:nvPr/>
-        </p:nvSpPr>
-        <p:spPr>
-          <a:xfrm>
-            <a:off x="7615738" y="2477656"/>
-            <a:ext cx="1259718" cy="346760"/>
-          </a:xfrm>
-          <a:prstGeom prst="rect">
+        </p:nvCxnSpPr>
+        <p:spPr>
+          <a:xfrm rot="10800000">
+            <a:off x="6934200" y="2918319"/>
+            <a:ext cx="203456" cy="410137"/>
+          </a:xfrm>
+          <a:prstGeom prst="bentConnector2">
             <a:avLst/>
           </a:prstGeom>
-          <a:ln w="19050"/>
+          <a:ln w="19050">
+            <a:prstDash val="sysDot"/>
+            <a:headEnd type="none" w="med" len="med"/>
+            <a:tailEnd type="arrow" w="med" len="med"/>
+          </a:ln>
           <a:effectLst/>
         </p:spPr>
         <p:style>
@@ -4711,105 +6418,29 @@
             <a:schemeClr val="dk1"/>
           </a:fontRef>
         </p:style>
-        <p:txBody>
-          <a:bodyPr rtlCol="0" anchor="ctr"/>
-          <a:lstStyle/>
-          <a:p>
-            <a:pPr algn="ctr"/>
-            <a:r>
-              <a:rPr lang="en-US" sz="1050" b="1" dirty="0" err="1" smtClean="0">
-                <a:solidFill>
-                  <a:schemeClr val="accent6">
-                    <a:lumMod val="75000"/>
-                  </a:schemeClr>
-                </a:solidFill>
-              </a:rPr>
-              <a:t>XmlAdaptedTag</a:t>
-            </a:r>
-            <a:endParaRPr lang="en-SG" sz="1050" b="1" dirty="0">
-              <a:solidFill>
-                <a:schemeClr val="accent6">
-                  <a:lumMod val="75000"/>
-                </a:schemeClr>
-              </a:solidFill>
-            </a:endParaRPr>
-          </a:p>
-        </p:txBody>
-      </p:sp>
-      <p:sp>
-        <p:nvSpPr>
-          <p:cNvPr id="74" name="Rectangle 8"/>
-          <p:cNvSpPr/>
-          <p:nvPr/>
-        </p:nvSpPr>
-        <p:spPr>
-          <a:xfrm>
-            <a:off x="7615738" y="3159624"/>
-            <a:ext cx="1259718" cy="346760"/>
-          </a:xfrm>
-          <a:prstGeom prst="rect">
-            <a:avLst/>
-          </a:prstGeom>
-          <a:ln w="19050"/>
-          <a:effectLst/>
-        </p:spPr>
-        <p:style>
-          <a:lnRef idx="1">
-            <a:schemeClr val="accent6"/>
-          </a:lnRef>
-          <a:fillRef idx="2">
-            <a:schemeClr val="accent6"/>
-          </a:fillRef>
-          <a:effectRef idx="1">
-            <a:schemeClr val="accent6"/>
-          </a:effectRef>
-          <a:fontRef idx="minor">
-            <a:schemeClr val="dk1"/>
-          </a:fontRef>
-        </p:style>
-        <p:txBody>
-          <a:bodyPr rtlCol="0" anchor="ctr"/>
-          <a:lstStyle/>
-          <a:p>
-            <a:pPr algn="ctr"/>
-            <a:r>
-              <a:rPr lang="en-US" sz="1050" b="1" dirty="0" err="1" smtClean="0">
-                <a:solidFill>
-                  <a:schemeClr val="accent6">
-                    <a:lumMod val="75000"/>
-                  </a:schemeClr>
-                </a:solidFill>
-              </a:rPr>
-              <a:t>XmlAdaptedPerson</a:t>
-            </a:r>
-            <a:endParaRPr lang="en-SG" sz="1050" b="1" dirty="0">
-              <a:solidFill>
-                <a:schemeClr val="accent6">
-                  <a:lumMod val="75000"/>
-                </a:schemeClr>
-              </a:solidFill>
-            </a:endParaRPr>
-          </a:p>
-        </p:txBody>
-      </p:sp>
+      </p:cxnSp>
       <p:cxnSp>
         <p:nvCxnSpPr>
-          <p:cNvPr id="77" name="Elbow Connector 122"/>
+          <p:cNvPr id="91" name="Elbow Connector 122">
+            <a:extLst>
+              <a:ext uri="{FF2B5EF4-FFF2-40B4-BE49-F238E27FC236}">
+                <a16:creationId xmlns:a16="http://schemas.microsoft.com/office/drawing/2014/main" id="{49643AA2-7974-4F78-95E5-17AB788D3914}"/>
+              </a:ext>
+            </a:extLst>
+          </p:cNvPr>
           <p:cNvCxnSpPr>
-            <a:stCxn id="66" idx="3"/>
-            <a:endCxn id="74" idx="1"/>
+            <a:cxnSpLocks/>
+            <a:stCxn id="81" idx="3"/>
           </p:cNvCxnSpPr>
           <p:nvPr/>
         </p:nvCxnSpPr>
         <p:spPr>
           <a:xfrm flipV="1">
-            <a:off x="7220507" y="3333004"/>
-            <a:ext cx="395231" cy="786"/>
-          </a:xfrm>
-          <a:prstGeom prst="bentConnector3">
-            <a:avLst>
-              <a:gd name="adj1" fmla="val 50000"/>
-            </a:avLst>
+            <a:off x="8181986" y="2898281"/>
+            <a:ext cx="168594" cy="430174"/>
+          </a:xfrm>
+          <a:prstGeom prst="bentConnector2">
+            <a:avLst/>
           </a:prstGeom>
           <a:ln w="19050">
             <a:prstDash val="sysDot"/>
@@ -4843,13 +6474,6 @@
   <p:clrMapOvr>
     <a:masterClrMapping/>
   </p:clrMapOvr>
-  <p:timing>
-    <p:tnLst>
-      <p:par>
-        <p:cTn id="1" dur="indefinite" restart="never" nodeType="tmRoot"/>
-      </p:par>
-    </p:tnLst>
-  </p:timing>
 </p:sld>
 </file>
 
